--- a/documentation/prplMesh-infra-controller.pptx
+++ b/documentation/prplMesh-infra-controller.pptx
@@ -6,10 +6,10 @@
     <p:sldMasterId id="2147483752" r:id="rId2"/>
   </p:sldMasterIdLst>
   <p:notesMasterIdLst>
-    <p:notesMasterId r:id="rId27"/>
+    <p:notesMasterId r:id="rId26"/>
   </p:notesMasterIdLst>
   <p:handoutMasterIdLst>
-    <p:handoutMasterId r:id="rId28"/>
+    <p:handoutMasterId r:id="rId27"/>
   </p:handoutMasterIdLst>
   <p:sldIdLst>
     <p:sldId id="526" r:id="rId3"/>
@@ -23,19 +23,18 @@
     <p:sldId id="539" r:id="rId11"/>
     <p:sldId id="540" r:id="rId12"/>
     <p:sldId id="538" r:id="rId13"/>
-    <p:sldId id="535" r:id="rId14"/>
-    <p:sldId id="614" r:id="rId15"/>
-    <p:sldId id="541" r:id="rId16"/>
-    <p:sldId id="529" r:id="rId17"/>
-    <p:sldId id="542" r:id="rId18"/>
-    <p:sldId id="531" r:id="rId19"/>
-    <p:sldId id="612" r:id="rId20"/>
-    <p:sldId id="613" r:id="rId21"/>
-    <p:sldId id="530" r:id="rId22"/>
-    <p:sldId id="532" r:id="rId23"/>
-    <p:sldId id="533" r:id="rId24"/>
-    <p:sldId id="534" r:id="rId25"/>
-    <p:sldId id="527" r:id="rId26"/>
+    <p:sldId id="617" r:id="rId14"/>
+    <p:sldId id="618" r:id="rId15"/>
+    <p:sldId id="619" r:id="rId16"/>
+    <p:sldId id="620" r:id="rId17"/>
+    <p:sldId id="612" r:id="rId18"/>
+    <p:sldId id="613" r:id="rId19"/>
+    <p:sldId id="530" r:id="rId20"/>
+    <p:sldId id="532" r:id="rId21"/>
+    <p:sldId id="614" r:id="rId22"/>
+    <p:sldId id="615" r:id="rId23"/>
+    <p:sldId id="616" r:id="rId24"/>
+    <p:sldId id="527" r:id="rId25"/>
   </p:sldIdLst>
   <p:sldSz cx="12192000" cy="6858000"/>
   <p:notesSz cx="7010400" cy="9296400"/>
@@ -289,7 +288,7 @@
             <a:fld id="{DB198986-9D82-4CF8-8CC8-FB9BB8414BD5}" type="datetimeFigureOut">
               <a:rPr lang="en-US" smtClean="0"/>
               <a:pPr/>
-              <a:t>6/17/2019</a:t>
+              <a:t>11/26/2019</a:t>
             </a:fld>
             <a:endParaRPr lang="en-US"/>
           </a:p>
@@ -1236,7 +1235,7 @@
     </p:spTree>
     <p:extLst>
       <p:ext uri="{BB962C8B-B14F-4D97-AF65-F5344CB8AC3E}">
-        <p14:creationId xmlns:p14="http://schemas.microsoft.com/office/powerpoint/2010/main" val="216116257"/>
+        <p14:creationId xmlns:p14="http://schemas.microsoft.com/office/powerpoint/2010/main" val="1769606909"/>
       </p:ext>
     </p:extLst>
   </p:cSld>
@@ -1341,7 +1340,7 @@
     </p:spTree>
     <p:extLst>
       <p:ext uri="{BB962C8B-B14F-4D97-AF65-F5344CB8AC3E}">
-        <p14:creationId xmlns:p14="http://schemas.microsoft.com/office/powerpoint/2010/main" val="4090060841"/>
+        <p14:creationId xmlns:p14="http://schemas.microsoft.com/office/powerpoint/2010/main" val="2985999525"/>
       </p:ext>
     </p:extLst>
   </p:cSld>
@@ -1446,7 +1445,7 @@
     </p:spTree>
     <p:extLst>
       <p:ext uri="{BB962C8B-B14F-4D97-AF65-F5344CB8AC3E}">
-        <p14:creationId xmlns:p14="http://schemas.microsoft.com/office/powerpoint/2010/main" val="2097145757"/>
+        <p14:creationId xmlns:p14="http://schemas.microsoft.com/office/powerpoint/2010/main" val="1131899266"/>
       </p:ext>
     </p:extLst>
   </p:cSld>
@@ -1551,7 +1550,7 @@
     </p:spTree>
     <p:extLst>
       <p:ext uri="{BB962C8B-B14F-4D97-AF65-F5344CB8AC3E}">
-        <p14:creationId xmlns:p14="http://schemas.microsoft.com/office/powerpoint/2010/main" val="1898558811"/>
+        <p14:creationId xmlns:p14="http://schemas.microsoft.com/office/powerpoint/2010/main" val="4281645003"/>
       </p:ext>
     </p:extLst>
   </p:cSld>
@@ -1656,7 +1655,7 @@
     </p:spTree>
     <p:extLst>
       <p:ext uri="{BB962C8B-B14F-4D97-AF65-F5344CB8AC3E}">
-        <p14:creationId xmlns:p14="http://schemas.microsoft.com/office/powerpoint/2010/main" val="2795793362"/>
+        <p14:creationId xmlns:p14="http://schemas.microsoft.com/office/powerpoint/2010/main" val="2001360873"/>
       </p:ext>
     </p:extLst>
   </p:cSld>
@@ -1761,7 +1760,7 @@
     </p:spTree>
     <p:extLst>
       <p:ext uri="{BB962C8B-B14F-4D97-AF65-F5344CB8AC3E}">
-        <p14:creationId xmlns:p14="http://schemas.microsoft.com/office/powerpoint/2010/main" val="3911236071"/>
+        <p14:creationId xmlns:p14="http://schemas.microsoft.com/office/powerpoint/2010/main" val="1700383291"/>
       </p:ext>
     </p:extLst>
   </p:cSld>
@@ -1866,7 +1865,7 @@
     </p:spTree>
     <p:extLst>
       <p:ext uri="{BB962C8B-B14F-4D97-AF65-F5344CB8AC3E}">
-        <p14:creationId xmlns:p14="http://schemas.microsoft.com/office/powerpoint/2010/main" val="2001360873"/>
+        <p14:creationId xmlns:p14="http://schemas.microsoft.com/office/powerpoint/2010/main" val="1768500499"/>
       </p:ext>
     </p:extLst>
   </p:cSld>
@@ -1971,7 +1970,7 @@
     </p:spTree>
     <p:extLst>
       <p:ext uri="{BB962C8B-B14F-4D97-AF65-F5344CB8AC3E}">
-        <p14:creationId xmlns:p14="http://schemas.microsoft.com/office/powerpoint/2010/main" val="1700383291"/>
+        <p14:creationId xmlns:p14="http://schemas.microsoft.com/office/powerpoint/2010/main" val="681284102"/>
       </p:ext>
     </p:extLst>
   </p:cSld>
@@ -2181,7 +2180,7 @@
     </p:spTree>
     <p:extLst>
       <p:ext uri="{BB962C8B-B14F-4D97-AF65-F5344CB8AC3E}">
-        <p14:creationId xmlns:p14="http://schemas.microsoft.com/office/powerpoint/2010/main" val="1768500499"/>
+        <p14:creationId xmlns:p14="http://schemas.microsoft.com/office/powerpoint/2010/main" val="2097372554"/>
       </p:ext>
     </p:extLst>
   </p:cSld>
@@ -2286,7 +2285,7 @@
     </p:spTree>
     <p:extLst>
       <p:ext uri="{BB962C8B-B14F-4D97-AF65-F5344CB8AC3E}">
-        <p14:creationId xmlns:p14="http://schemas.microsoft.com/office/powerpoint/2010/main" val="681284102"/>
+        <p14:creationId xmlns:p14="http://schemas.microsoft.com/office/powerpoint/2010/main" val="2179549689"/>
       </p:ext>
     </p:extLst>
   </p:cSld>
@@ -2391,7 +2390,7 @@
     </p:spTree>
     <p:extLst>
       <p:ext uri="{BB962C8B-B14F-4D97-AF65-F5344CB8AC3E}">
-        <p14:creationId xmlns:p14="http://schemas.microsoft.com/office/powerpoint/2010/main" val="3142801112"/>
+        <p14:creationId xmlns:p14="http://schemas.microsoft.com/office/powerpoint/2010/main" val="1489575004"/>
       </p:ext>
     </p:extLst>
   </p:cSld>
@@ -15713,18 +15712,11 @@
               <a:buChar char="o"/>
             </a:pPr>
             <a:r>
-              <a:rPr lang="en-US" sz="2400" dirty="0" err="1">
-                <a:latin typeface="Courier New" panose="02070309020205020404" pitchFamily="49" charset="0"/>
-                <a:cs typeface="Courier New" panose="02070309020205020404" pitchFamily="49" charset="0"/>
-              </a:rPr>
-              <a:t>add_task</a:t>
-            </a:r>
-            <a:r>
               <a:rPr lang="en-US" sz="2400" dirty="0">
                 <a:latin typeface="Courier New" panose="02070309020205020404" pitchFamily="49" charset="0"/>
                 <a:cs typeface="Courier New" panose="02070309020205020404" pitchFamily="49" charset="0"/>
               </a:rPr>
-              <a:t>(id)</a:t>
+              <a:t>add_task(id)</a:t>
             </a:r>
           </a:p>
           <a:p>
@@ -15736,32 +15728,11 @@
               <a:buChar char="o"/>
             </a:pPr>
             <a:r>
-              <a:rPr lang="en-US" sz="2400" dirty="0" err="1">
-                <a:latin typeface="Courier New" panose="02070309020205020404" pitchFamily="49" charset="0"/>
-                <a:cs typeface="Courier New" panose="02070309020205020404" pitchFamily="49" charset="0"/>
-              </a:rPr>
-              <a:t>push_event</a:t>
-            </a:r>
-            <a:r>
               <a:rPr lang="en-US" sz="2400" dirty="0">
                 <a:latin typeface="Courier New" panose="02070309020205020404" pitchFamily="49" charset="0"/>
                 <a:cs typeface="Courier New" panose="02070309020205020404" pitchFamily="49" charset="0"/>
               </a:rPr>
-              <a:t>(id, </a:t>
-            </a:r>
-            <a:r>
-              <a:rPr lang="en-US" sz="2400" dirty="0" err="1">
-                <a:latin typeface="Courier New" panose="02070309020205020404" pitchFamily="49" charset="0"/>
-                <a:cs typeface="Courier New" panose="02070309020205020404" pitchFamily="49" charset="0"/>
-              </a:rPr>
-              <a:t>evtype</a:t>
-            </a:r>
-            <a:r>
-              <a:rPr lang="en-US" sz="2400" dirty="0">
-                <a:latin typeface="Courier New" panose="02070309020205020404" pitchFamily="49" charset="0"/>
-                <a:cs typeface="Courier New" panose="02070309020205020404" pitchFamily="49" charset="0"/>
-              </a:rPr>
-              <a:t>, data)</a:t>
+              <a:t>push_event(id, evtype, data)</a:t>
             </a:r>
           </a:p>
           <a:p>
@@ -15773,18 +15744,11 @@
               <a:buChar char="o"/>
             </a:pPr>
             <a:r>
-              <a:rPr lang="en-US" sz="2400" dirty="0" err="1">
-                <a:latin typeface="Courier New" panose="02070309020205020404" pitchFamily="49" charset="0"/>
-                <a:cs typeface="Courier New" panose="02070309020205020404" pitchFamily="49" charset="0"/>
-              </a:rPr>
-              <a:t>run_tasks</a:t>
-            </a:r>
-            <a:r>
               <a:rPr lang="en-US" sz="2400" dirty="0">
                 <a:latin typeface="Courier New" panose="02070309020205020404" pitchFamily="49" charset="0"/>
                 <a:cs typeface="Courier New" panose="02070309020205020404" pitchFamily="49" charset="0"/>
               </a:rPr>
-              <a:t>()</a:t>
+              <a:t>run_tasks()</a:t>
             </a:r>
           </a:p>
           <a:p>
@@ -15841,18 +15805,11 @@
               <a:buChar char="•"/>
             </a:pPr>
             <a:r>
-              <a:rPr lang="en-US" sz="2400" dirty="0" err="1">
-                <a:latin typeface="Courier New" panose="02070309020205020404" pitchFamily="49" charset="0"/>
-                <a:cs typeface="Courier New" panose="02070309020205020404" pitchFamily="49" charset="0"/>
-              </a:rPr>
-              <a:t>handle_response</a:t>
-            </a:r>
-            <a:r>
               <a:rPr lang="en-US" sz="2400" dirty="0">
                 <a:latin typeface="Courier New" panose="02070309020205020404" pitchFamily="49" charset="0"/>
                 <a:cs typeface="Courier New" panose="02070309020205020404" pitchFamily="49" charset="0"/>
               </a:rPr>
-              <a:t>()</a:t>
+              <a:t>handle_response()</a:t>
             </a:r>
           </a:p>
           <a:p>
@@ -15864,18 +15821,11 @@
               <a:buChar char="•"/>
             </a:pPr>
             <a:r>
-              <a:rPr lang="en-US" sz="2400" dirty="0" err="1">
-                <a:latin typeface="Courier New" panose="02070309020205020404" pitchFamily="49" charset="0"/>
-                <a:cs typeface="Courier New" panose="02070309020205020404" pitchFamily="49" charset="0"/>
-              </a:rPr>
-              <a:t>handle_response_timeout</a:t>
-            </a:r>
-            <a:r>
               <a:rPr lang="en-US" sz="2400" dirty="0">
                 <a:latin typeface="Courier New" panose="02070309020205020404" pitchFamily="49" charset="0"/>
                 <a:cs typeface="Courier New" panose="02070309020205020404" pitchFamily="49" charset="0"/>
               </a:rPr>
-              <a:t>()</a:t>
+              <a:t>handle_response_timeout()</a:t>
             </a:r>
           </a:p>
           <a:p>
@@ -15887,18 +15837,11 @@
               <a:buChar char="•"/>
             </a:pPr>
             <a:r>
-              <a:rPr lang="en-US" sz="2400" dirty="0" err="1">
-                <a:latin typeface="Courier New" panose="02070309020205020404" pitchFamily="49" charset="0"/>
-                <a:cs typeface="Courier New" panose="02070309020205020404" pitchFamily="49" charset="0"/>
-              </a:rPr>
-              <a:t>handle_event</a:t>
-            </a:r>
-            <a:r>
               <a:rPr lang="en-US" sz="2400" dirty="0">
                 <a:latin typeface="Courier New" panose="02070309020205020404" pitchFamily="49" charset="0"/>
                 <a:cs typeface="Courier New" panose="02070309020205020404" pitchFamily="49" charset="0"/>
               </a:rPr>
-              <a:t>()</a:t>
+              <a:t>handle_event()</a:t>
             </a:r>
           </a:p>
           <a:p>
@@ -15910,18 +15853,11 @@
               <a:buChar char="•"/>
             </a:pPr>
             <a:r>
-              <a:rPr lang="en-US" sz="2400" dirty="0" err="1">
-                <a:latin typeface="Courier New" panose="02070309020205020404" pitchFamily="49" charset="0"/>
-                <a:cs typeface="Courier New" panose="02070309020205020404" pitchFamily="49" charset="0"/>
-              </a:rPr>
-              <a:t>handle_event_timeout</a:t>
-            </a:r>
-            <a:r>
               <a:rPr lang="en-US" sz="2400" dirty="0">
                 <a:latin typeface="Courier New" panose="02070309020205020404" pitchFamily="49" charset="0"/>
                 <a:cs typeface="Courier New" panose="02070309020205020404" pitchFamily="49" charset="0"/>
               </a:rPr>
-              <a:t>()</a:t>
+              <a:t>handle_event_timeout()</a:t>
             </a:r>
           </a:p>
           <a:p>
@@ -16088,7 +16024,7 @@
         <p:spPr>
           <a:xfrm>
             <a:off x="647700" y="1238250"/>
-            <a:ext cx="11201400" cy="4117281"/>
+            <a:ext cx="11201400" cy="4185761"/>
           </a:xfrm>
           <a:prstGeom prst="rect">
             <a:avLst/>
@@ -16145,15 +16081,7 @@
             </a:pPr>
             <a:r>
               <a:rPr lang="en-US" sz="2400" dirty="0"/>
-              <a:t>RSSI, Capabilities (11V, 11K, </a:t>
-            </a:r>
-            <a:r>
-              <a:rPr lang="en-US" sz="2400" dirty="0" err="1"/>
-              <a:t>etc</a:t>
-            </a:r>
-            <a:r>
-              <a:rPr lang="en-US" sz="2400" dirty="0"/>
-              <a:t>) and store it in the DB.</a:t>
+              <a:t>RSSI, Capabilities (11V, 11K, etc.) and store it in the DB.</a:t>
             </a:r>
           </a:p>
           <a:p>
@@ -16265,7 +16193,7 @@
                 <a:ea typeface="Nunito"/>
                 <a:cs typeface="Nunito"/>
               </a:rPr>
-              <a:t>Optimal Path Task</a:t>
+              <a:t>Client Steering Task</a:t>
             </a:r>
           </a:p>
         </p:txBody>
@@ -16318,8 +16246,8 @@
         </p:nvSpPr>
         <p:spPr>
           <a:xfrm>
-            <a:off x="647699" y="1238250"/>
-            <a:ext cx="10051831" cy="5533053"/>
+            <a:off x="637652" y="1093802"/>
+            <a:ext cx="11201400" cy="2701509"/>
           </a:xfrm>
           <a:prstGeom prst="rect">
             <a:avLst/>
@@ -16344,7 +16272,7 @@
             </a:pPr>
             <a:r>
               <a:rPr lang="en-US" sz="2400" dirty="0"/>
-              <a:t>Selects best AP for connected STAs</a:t>
+              <a:t>Orchestrates client steering operation</a:t>
             </a:r>
           </a:p>
           <a:p>
@@ -16360,47 +16288,7 @@
             </a:pPr>
             <a:r>
               <a:rPr lang="en-US" sz="2400" dirty="0"/>
-              <a:t>Triggered by</a:t>
-            </a:r>
-          </a:p>
-          <a:p>
-            <a:pPr marL="800100" lvl="1" indent="-342900">
-              <a:lnSpc>
-                <a:spcPct val="150000"/>
-              </a:lnSpc>
-              <a:spcBef>
-                <a:spcPts val="1200"/>
-              </a:spcBef>
-              <a:buFont typeface="Arial" panose="020B0604020202020204" pitchFamily="34" charset="0"/>
-              <a:buChar char="•"/>
-            </a:pPr>
-            <a:r>
-              <a:rPr lang="en-US" sz="2400" b="1" dirty="0"/>
-              <a:t>Association handling task </a:t>
-            </a:r>
-            <a:r>
-              <a:rPr lang="en-US" sz="2400" dirty="0"/>
-              <a:t>– on STA successful association</a:t>
-            </a:r>
-          </a:p>
-          <a:p>
-            <a:pPr marL="800100" lvl="1" indent="-342900">
-              <a:lnSpc>
-                <a:spcPct val="150000"/>
-              </a:lnSpc>
-              <a:spcBef>
-                <a:spcPts val="1200"/>
-              </a:spcBef>
-              <a:buFont typeface="Arial" panose="020B0604020202020204" pitchFamily="34" charset="0"/>
-              <a:buChar char="•"/>
-            </a:pPr>
-            <a:r>
-              <a:rPr lang="en-US" sz="2400" b="1" dirty="0"/>
-              <a:t>AP Monitor </a:t>
-            </a:r>
-            <a:r>
-              <a:rPr lang="en-US" sz="2400" dirty="0"/>
-              <a:t>– on RSSI threshold crossing</a:t>
+              <a:t>Triggered by optimal path task</a:t>
             </a:r>
           </a:p>
           <a:p>
@@ -16416,60 +16304,31 @@
             </a:pPr>
             <a:r>
               <a:rPr lang="en-US" sz="2400" dirty="0"/>
-              <a:t>Triggers steering task based upon decision to steer</a:t>
+              <a:t>But also supports manual triggering from CLI</a:t>
             </a:r>
           </a:p>
           <a:p>
-            <a:pPr marL="342900" indent="-342900">
+            <a:pPr marL="800100" lvl="1" indent="-342900">
               <a:lnSpc>
                 <a:spcPct val="150000"/>
               </a:lnSpc>
               <a:spcBef>
                 <a:spcPts val="1200"/>
               </a:spcBef>
-              <a:buFont typeface="Arial" panose="020B0604020202020204" pitchFamily="34" charset="0"/>
-              <a:buChar char="•"/>
+              <a:buFont typeface="Courier New" panose="02070309020205020404" pitchFamily="49" charset="0"/>
+              <a:buChar char="o"/>
             </a:pPr>
             <a:r>
               <a:rPr lang="en-US" sz="2400" dirty="0"/>
-              <a:t>Dynamically detects single band clients.</a:t>
+              <a:t>Used for debugging, upper layer algorithm, etc.</a:t>
             </a:r>
-          </a:p>
-          <a:p>
-            <a:pPr marL="342900" indent="-342900">
-              <a:lnSpc>
-                <a:spcPct val="150000"/>
-              </a:lnSpc>
-              <a:spcBef>
-                <a:spcPts val="1200"/>
-              </a:spcBef>
-              <a:buFont typeface="Arial" panose="020B0604020202020204" pitchFamily="34" charset="0"/>
-              <a:buChar char="•"/>
-            </a:pPr>
-            <a:r>
-              <a:rPr lang="en-US" sz="2400" dirty="0"/>
-              <a:t>Dynamically detect non 11k (legacy) clients.</a:t>
-            </a:r>
-          </a:p>
-          <a:p>
-            <a:pPr marL="342900" indent="-342900">
-              <a:lnSpc>
-                <a:spcPct val="150000"/>
-              </a:lnSpc>
-              <a:spcBef>
-                <a:spcPts val="1200"/>
-              </a:spcBef>
-              <a:buFont typeface="Arial" panose="020B0604020202020204" pitchFamily="34" charset="0"/>
-              <a:buChar char="•"/>
-            </a:pPr>
-            <a:endParaRPr lang="en-US" sz="2400" dirty="0"/>
           </a:p>
         </p:txBody>
       </p:sp>
     </p:spTree>
     <p:extLst>
       <p:ext uri="{BB962C8B-B14F-4D97-AF65-F5344CB8AC3E}">
-        <p14:creationId xmlns:p14="http://schemas.microsoft.com/office/powerpoint/2010/main" val="3630208001"/>
+        <p14:creationId xmlns:p14="http://schemas.microsoft.com/office/powerpoint/2010/main" val="2131082806"/>
       </p:ext>
     </p:extLst>
   </p:cSld>
@@ -16525,7 +16384,7 @@
                 <a:ea typeface="Nunito"/>
                 <a:cs typeface="Nunito"/>
               </a:rPr>
-              <a:t>Optimal Path Task</a:t>
+              <a:t>Client Steering Task</a:t>
             </a:r>
           </a:p>
         </p:txBody>
@@ -16578,8 +16437,8 @@
         </p:nvSpPr>
         <p:spPr>
           <a:xfrm>
-            <a:off x="647699" y="1238250"/>
-            <a:ext cx="10051831" cy="5717719"/>
+            <a:off x="647700" y="1238250"/>
+            <a:ext cx="11201400" cy="4893647"/>
           </a:xfrm>
           <a:prstGeom prst="rect">
             <a:avLst/>
@@ -16604,190 +16463,107 @@
             </a:pPr>
             <a:r>
               <a:rPr lang="en-US" sz="2400" dirty="0"/>
-              <a:t>Steering decision</a:t>
-            </a:r>
-          </a:p>
-          <a:p>
-            <a:pPr lvl="2" indent="-342900">
-              <a:buFont typeface="Courier New" panose="02070309020205020404" pitchFamily="49" charset="0"/>
-              <a:buChar char="o"/>
-            </a:pPr>
-            <a:r>
-              <a:rPr lang="en-US" sz="2400" dirty="0"/>
-              <a:t>Based on maximum estimated </a:t>
-            </a:r>
-            <a:r>
-              <a:rPr lang="en-US" sz="2400" b="1" dirty="0"/>
-              <a:t>downlink PHY rate </a:t>
-            </a:r>
-            <a:r>
-              <a:rPr lang="en-US" sz="2400" dirty="0"/>
-              <a:t>(Default)</a:t>
-            </a:r>
-          </a:p>
-          <a:p>
-            <a:pPr lvl="2" indent="-342900">
-              <a:buFont typeface="Courier New" panose="02070309020205020404" pitchFamily="49" charset="0"/>
-              <a:buChar char="o"/>
-            </a:pPr>
-            <a:r>
-              <a:rPr lang="en-US" sz="2400" dirty="0"/>
-              <a:t>Based on maximum estimated </a:t>
-            </a:r>
-            <a:r>
-              <a:rPr lang="en-US" sz="2400" b="1" dirty="0"/>
-              <a:t>downlink RSSI</a:t>
-            </a:r>
-          </a:p>
-          <a:p>
-            <a:pPr marL="571500" lvl="2"/>
-            <a:endParaRPr lang="en-US" sz="2400" dirty="0"/>
-          </a:p>
-          <a:p>
-            <a:pPr marL="342900" indent="-342900">
-              <a:buFont typeface="Arial" panose="020B0604020202020204" pitchFamily="34" charset="0"/>
-              <a:buChar char="•"/>
-            </a:pPr>
-            <a:r>
-              <a:rPr lang="en-US" sz="2400" dirty="0">
-                <a:solidFill>
-                  <a:schemeClr val="dk1"/>
-                </a:solidFill>
-              </a:rPr>
-              <a:t>Estimated downlink PHY rate calculation using</a:t>
-            </a:r>
-          </a:p>
-          <a:p>
-            <a:pPr marL="800100" lvl="1" indent="-342900">
-              <a:buFont typeface="Courier New" panose="02070309020205020404" pitchFamily="49" charset="0"/>
-              <a:buChar char="o"/>
-            </a:pPr>
-            <a:r>
-              <a:rPr lang="en-US" sz="2400" dirty="0">
-                <a:solidFill>
-                  <a:schemeClr val="dk1"/>
-                </a:solidFill>
-              </a:rPr>
-              <a:t>Number of antennas</a:t>
-            </a:r>
-          </a:p>
-          <a:p>
-            <a:pPr marL="800100" lvl="1" indent="-342900">
-              <a:buFont typeface="Courier New" panose="02070309020205020404" pitchFamily="49" charset="0"/>
-              <a:buChar char="o"/>
-            </a:pPr>
-            <a:r>
-              <a:rPr lang="en-US" sz="2400" dirty="0">
-                <a:solidFill>
-                  <a:schemeClr val="dk1"/>
-                </a:solidFill>
-              </a:rPr>
-              <a:t>TX power</a:t>
-            </a:r>
-          </a:p>
-          <a:p>
-            <a:pPr marL="800100" lvl="1" indent="-342900">
-              <a:buFont typeface="Courier New" panose="02070309020205020404" pitchFamily="49" charset="0"/>
-              <a:buChar char="o"/>
-            </a:pPr>
-            <a:r>
-              <a:rPr lang="en-US" sz="2400" dirty="0">
-                <a:solidFill>
-                  <a:schemeClr val="dk1"/>
-                </a:solidFill>
-              </a:rPr>
-              <a:t>Channel bandwidth</a:t>
-            </a:r>
-          </a:p>
-          <a:p>
-            <a:pPr marL="800100" lvl="1" indent="-342900">
-              <a:buFont typeface="Courier New" panose="02070309020205020404" pitchFamily="49" charset="0"/>
-              <a:buChar char="o"/>
-            </a:pPr>
-            <a:r>
-              <a:rPr lang="en-US" sz="2400" dirty="0">
-                <a:solidFill>
-                  <a:schemeClr val="dk1"/>
-                </a:solidFill>
-              </a:rPr>
-              <a:t>Supported rates</a:t>
-            </a:r>
-          </a:p>
-          <a:p>
-            <a:pPr marL="800100" lvl="1" indent="-342900">
-              <a:buFont typeface="Courier New" panose="02070309020205020404" pitchFamily="49" charset="0"/>
-              <a:buChar char="o"/>
-            </a:pPr>
-            <a:r>
-              <a:rPr lang="en-US" sz="2400" dirty="0">
-                <a:solidFill>
-                  <a:schemeClr val="dk1"/>
-                </a:solidFill>
-              </a:rPr>
-              <a:t>Downlink RSSI</a:t>
+              <a:t>802.11v Steering – BSS_TM_REQ</a:t>
             </a:r>
           </a:p>
           <a:p>
             <a:pPr marL="1257300" lvl="2" indent="-342900">
-              <a:buFont typeface="Wingdings" panose="05000000000000000000" pitchFamily="2" charset="2"/>
-              <a:buChar char="§"/>
-            </a:pPr>
-            <a:r>
-              <a:rPr lang="en-US" sz="2400" dirty="0">
-                <a:solidFill>
-                  <a:schemeClr val="dk1"/>
-                </a:solidFill>
-              </a:rPr>
-              <a:t>11K for supporting STAs</a:t>
-            </a:r>
-          </a:p>
-          <a:p>
-            <a:pPr marL="1257300" lvl="2" indent="-342900">
-              <a:buFont typeface="Wingdings" panose="05000000000000000000" pitchFamily="2" charset="2"/>
-              <a:buChar char="§"/>
-            </a:pPr>
-            <a:r>
-              <a:rPr lang="en-US" sz="2400" dirty="0">
-                <a:solidFill>
-                  <a:schemeClr val="dk1"/>
-                </a:solidFill>
-              </a:rPr>
-              <a:t>Unconnected measurements</a:t>
-            </a:r>
-          </a:p>
-          <a:p>
-            <a:pPr marL="1257300" lvl="2" indent="-342900">
-              <a:buFont typeface="Wingdings" panose="05000000000000000000" pitchFamily="2" charset="2"/>
-              <a:buChar char="§"/>
-            </a:pPr>
-            <a:r>
-              <a:rPr lang="en-US" sz="2400" dirty="0">
-                <a:solidFill>
-                  <a:schemeClr val="dk1"/>
-                </a:solidFill>
-              </a:rPr>
-              <a:t>Estimated uplink RSSI (same box)</a:t>
-            </a:r>
-            <a:endParaRPr lang="en-US" sz="2400" b="1" dirty="0"/>
-          </a:p>
-          <a:p>
-            <a:pPr marL="342900" indent="-342900">
               <a:lnSpc>
                 <a:spcPct val="150000"/>
               </a:lnSpc>
               <a:spcBef>
                 <a:spcPts val="1200"/>
               </a:spcBef>
-              <a:buFont typeface="Arial" panose="020B0604020202020204" pitchFamily="34" charset="0"/>
-              <a:buChar char="•"/>
+              <a:buFont typeface="Courier New" panose="02070309020205020404" pitchFamily="49" charset="0"/>
+              <a:buChar char="o"/>
             </a:pPr>
             <a:r>
-              <a:rPr lang="en-US" sz="2400" b="1" dirty="0"/>
-              <a:t>Client Steering task </a:t>
+              <a:rPr lang="en-US" sz="2400" dirty="0"/>
+              <a:t>Non-imminent – Optional steering request (STA may refuse)</a:t>
+            </a:r>
+          </a:p>
+          <a:p>
+            <a:pPr marL="1714500" lvl="3" indent="-342900">
+              <a:lnSpc>
+                <a:spcPct val="150000"/>
+              </a:lnSpc>
+              <a:spcBef>
+                <a:spcPts val="1200"/>
+              </a:spcBef>
+              <a:buFont typeface="Wingdings" panose="05000000000000000000" pitchFamily="2" charset="2"/>
+              <a:buChar char="§"/>
+            </a:pPr>
+            <a:r>
+              <a:rPr lang="en-US" sz="2400" dirty="0"/>
+              <a:t>RSSI above cut-off</a:t>
+            </a:r>
+          </a:p>
+          <a:p>
+            <a:pPr marL="2171700" lvl="4" indent="-342900">
+              <a:lnSpc>
+                <a:spcPct val="150000"/>
+              </a:lnSpc>
+              <a:spcBef>
+                <a:spcPts val="1200"/>
+              </a:spcBef>
+              <a:buFont typeface="Wingdings" panose="05000000000000000000" pitchFamily="2" charset="2"/>
+              <a:buChar char="q"/>
+            </a:pPr>
+            <a:r>
+              <a:rPr lang="en-US" sz="2400"/>
+              <a:t>better potential AP selected by optimal path</a:t>
+            </a:r>
+          </a:p>
+          <a:p>
+            <a:pPr marL="1257300" lvl="2" indent="-342900">
+              <a:lnSpc>
+                <a:spcPct val="150000"/>
+              </a:lnSpc>
+              <a:spcBef>
+                <a:spcPts val="1200"/>
+              </a:spcBef>
+              <a:buFont typeface="Courier New" panose="02070309020205020404" pitchFamily="49" charset="0"/>
+              <a:buChar char="o"/>
+            </a:pPr>
+            <a:r>
+              <a:rPr lang="en-US" sz="2400"/>
+              <a:t>Imminent </a:t>
             </a:r>
             <a:r>
               <a:rPr lang="en-US" sz="2400" dirty="0"/>
-              <a:t>is triggered if better target AP found</a:t>
+              <a:t>– Mandatory steering request</a:t>
+            </a:r>
+          </a:p>
+          <a:p>
+            <a:pPr marL="1714500" lvl="3" indent="-342900">
+              <a:lnSpc>
+                <a:spcPct val="150000"/>
+              </a:lnSpc>
+              <a:spcBef>
+                <a:spcPts val="1200"/>
+              </a:spcBef>
+              <a:buFont typeface="Wingdings" panose="05000000000000000000" pitchFamily="2" charset="2"/>
+              <a:buChar char="§"/>
+            </a:pPr>
+            <a:r>
+              <a:rPr lang="en-US" sz="2400" dirty="0"/>
+              <a:t>Disassociate timer - 150 beacons</a:t>
+            </a:r>
+          </a:p>
+          <a:p>
+            <a:pPr marL="1714500" lvl="3" indent="-342900">
+              <a:lnSpc>
+                <a:spcPct val="150000"/>
+              </a:lnSpc>
+              <a:spcBef>
+                <a:spcPts val="1200"/>
+              </a:spcBef>
+              <a:buFont typeface="Wingdings" panose="05000000000000000000" pitchFamily="2" charset="2"/>
+              <a:buChar char="§"/>
+            </a:pPr>
+            <a:r>
+              <a:rPr lang="en-US" sz="2400" dirty="0"/>
+              <a:t>RSSI below cut-off</a:t>
             </a:r>
           </a:p>
         </p:txBody>
@@ -16795,7 +16571,7 @@
     </p:spTree>
     <p:extLst>
       <p:ext uri="{BB962C8B-B14F-4D97-AF65-F5344CB8AC3E}">
-        <p14:creationId xmlns:p14="http://schemas.microsoft.com/office/powerpoint/2010/main" val="1404078647"/>
+        <p14:creationId xmlns:p14="http://schemas.microsoft.com/office/powerpoint/2010/main" val="1513539545"/>
       </p:ext>
     </p:extLst>
   </p:cSld>
@@ -16822,36 +16598,6 @@
           <a:chExt cx="0" cy="0"/>
         </a:xfrm>
       </p:grpSpPr>
-      <p:pic>
-        <p:nvPicPr>
-          <p:cNvPr id="6" name="Picture 5"/>
-          <p:cNvPicPr>
-            <a:picLocks noChangeAspect="1"/>
-          </p:cNvPicPr>
-          <p:nvPr/>
-        </p:nvPicPr>
-        <p:blipFill>
-          <a:blip r:embed="rId3">
-            <a:extLst>
-              <a:ext uri="{28A0092B-C50C-407E-A947-70E740481C1C}">
-                <a14:useLocalDpi xmlns:a14="http://schemas.microsoft.com/office/drawing/2010/main" val="0"/>
-              </a:ext>
-            </a:extLst>
-          </a:blip>
-          <a:stretch>
-            <a:fillRect/>
-          </a:stretch>
-        </p:blipFill>
-        <p:spPr>
-          <a:xfrm>
-            <a:off x="4069583" y="0"/>
-            <a:ext cx="4853353" cy="6858000"/>
-          </a:xfrm>
-          <a:prstGeom prst="rect">
-            <a:avLst/>
-          </a:prstGeom>
-        </p:spPr>
-      </p:pic>
       <p:sp>
         <p:nvSpPr>
           <p:cNvPr id="16385" name="Rectangle 2"/>
@@ -16864,8 +16610,8 @@
         </p:nvSpPr>
         <p:spPr>
           <a:xfrm>
-            <a:off x="0" y="2865438"/>
-            <a:ext cx="4079630" cy="563562"/>
+            <a:off x="0" y="193947"/>
+            <a:ext cx="12191999" cy="563562"/>
           </a:xfrm>
         </p:spPr>
         <p:txBody>
@@ -16881,7 +16627,7 @@
                 <a:ea typeface="Nunito"/>
                 <a:cs typeface="Nunito"/>
               </a:rPr>
-              <a:t>Optimal Path Task</a:t>
+              <a:t>Client Steering Task</a:t>
             </a:r>
           </a:p>
         </p:txBody>
@@ -16926,10 +16672,113 @@
           </a:p>
         </p:txBody>
       </p:sp>
+      <p:sp>
+        <p:nvSpPr>
+          <p:cNvPr id="2" name="TextBox 1"/>
+          <p:cNvSpPr txBox="1"/>
+          <p:nvPr/>
+        </p:nvSpPr>
+        <p:spPr>
+          <a:xfrm>
+            <a:off x="677845" y="1304822"/>
+            <a:ext cx="11201400" cy="3409395"/>
+          </a:xfrm>
+          <a:prstGeom prst="rect">
+            <a:avLst/>
+          </a:prstGeom>
+          <a:noFill/>
+        </p:spPr>
+        <p:txBody>
+          <a:bodyPr wrap="square" rtlCol="0">
+            <a:spAutoFit/>
+          </a:bodyPr>
+          <a:lstStyle/>
+          <a:p>
+            <a:pPr marL="342900" indent="-342900">
+              <a:lnSpc>
+                <a:spcPct val="150000"/>
+              </a:lnSpc>
+              <a:spcBef>
+                <a:spcPts val="1200"/>
+              </a:spcBef>
+              <a:buFont typeface="Arial" panose="020B0604020202020204" pitchFamily="34" charset="0"/>
+              <a:buChar char="•"/>
+            </a:pPr>
+            <a:r>
+              <a:rPr lang="en-US" sz="2400" dirty="0"/>
+              <a:t>Legacy steering</a:t>
+            </a:r>
+          </a:p>
+          <a:p>
+            <a:pPr marL="800100" lvl="1" indent="-342900">
+              <a:lnSpc>
+                <a:spcPct val="150000"/>
+              </a:lnSpc>
+              <a:spcBef>
+                <a:spcPts val="1200"/>
+              </a:spcBef>
+              <a:buFont typeface="Courier New" panose="02070309020205020404" pitchFamily="49" charset="0"/>
+              <a:buChar char="o"/>
+            </a:pPr>
+            <a:r>
+              <a:rPr lang="en-US" sz="2400" dirty="0"/>
+              <a:t>STA marked non-11v if it didn’t respond 3 times in a row</a:t>
+            </a:r>
+          </a:p>
+          <a:p>
+            <a:pPr marL="800100" lvl="1" indent="-342900">
+              <a:lnSpc>
+                <a:spcPct val="150000"/>
+              </a:lnSpc>
+              <a:spcBef>
+                <a:spcPts val="1200"/>
+              </a:spcBef>
+              <a:buFont typeface="Courier New" panose="02070309020205020404" pitchFamily="49" charset="0"/>
+              <a:buChar char="o"/>
+            </a:pPr>
+            <a:r>
+              <a:rPr lang="en-US" sz="2400" dirty="0"/>
+              <a:t>Only imminent steering from here on</a:t>
+            </a:r>
+          </a:p>
+          <a:p>
+            <a:pPr marL="1257300" lvl="2" indent="-342900">
+              <a:lnSpc>
+                <a:spcPct val="150000"/>
+              </a:lnSpc>
+              <a:spcBef>
+                <a:spcPts val="1200"/>
+              </a:spcBef>
+              <a:buFont typeface="Wingdings" panose="05000000000000000000" pitchFamily="2" charset="2"/>
+              <a:buChar char="§"/>
+            </a:pPr>
+            <a:r>
+              <a:rPr lang="en-US" sz="2400" dirty="0"/>
+              <a:t>Disassociate timer – 1 beacon</a:t>
+            </a:r>
+          </a:p>
+          <a:p>
+            <a:pPr marL="1714500" lvl="3" indent="-342900">
+              <a:lnSpc>
+                <a:spcPct val="150000"/>
+              </a:lnSpc>
+              <a:spcBef>
+                <a:spcPts val="1200"/>
+              </a:spcBef>
+              <a:buFont typeface="Wingdings" panose="05000000000000000000" pitchFamily="2" charset="2"/>
+              <a:buChar char="q"/>
+            </a:pPr>
+            <a:r>
+              <a:rPr lang="en-US" sz="2400" dirty="0"/>
+              <a:t>Reason – STA will not hear us anyway…</a:t>
+            </a:r>
+          </a:p>
+        </p:txBody>
+      </p:sp>
     </p:spTree>
     <p:extLst>
       <p:ext uri="{BB962C8B-B14F-4D97-AF65-F5344CB8AC3E}">
-        <p14:creationId xmlns:p14="http://schemas.microsoft.com/office/powerpoint/2010/main" val="219405705"/>
+        <p14:creationId xmlns:p14="http://schemas.microsoft.com/office/powerpoint/2010/main" val="1126483374"/>
       </p:ext>
     </p:extLst>
   </p:cSld>
@@ -16985,27 +16834,8 @@
                 <a:ea typeface="Nunito"/>
                 <a:cs typeface="Nunito"/>
               </a:rPr>
-              <a:t>Client Steering Task – </a:t>
+              <a:t>Client Steering Task</a:t>
             </a:r>
-            <a:r>
-              <a:rPr lang="en-US" sz="4000" b="1">
-                <a:solidFill>
-                  <a:srgbClr val="671660"/>
-                </a:solidFill>
-                <a:latin typeface="Nunito"/>
-                <a:ea typeface="Nunito"/>
-                <a:cs typeface="Nunito"/>
-              </a:rPr>
-              <a:t>Take from Tomer</a:t>
-            </a:r>
-            <a:endParaRPr lang="en-US" sz="4000" b="1" dirty="0">
-              <a:solidFill>
-                <a:srgbClr val="671660"/>
-              </a:solidFill>
-              <a:latin typeface="Nunito"/>
-              <a:ea typeface="Nunito"/>
-              <a:cs typeface="Nunito"/>
-            </a:endParaRPr>
           </a:p>
         </p:txBody>
       </p:sp>
@@ -17049,160 +16879,51 @@
           </a:p>
         </p:txBody>
       </p:sp>
-      <p:sp>
-        <p:nvSpPr>
-          <p:cNvPr id="2" name="TextBox 1"/>
-          <p:cNvSpPr txBox="1"/>
+      <p:pic>
+        <p:nvPicPr>
+          <p:cNvPr id="1026" name="Picture 2" descr="https://www.plantuml.com/plantuml/img/jPBD3S8m38Nldi8BT84UgY8MG680558B8gL9YHqGsvD0VsZLSYC7Ath-ykmdfMPHGM9h0RfqCTfqoWdklPFWhQKmatU7auuXa9Ebd5mk9A3p6ot6Eywgboi51fZiYcg4IrJM-WUc3R1LUWdrWqfio3steC-0tymmxSoS4AA0WMwHM42bJUzAw2i0A2l8KMiYPi1qtcK4YcfoB_6OmPvhQCKkDxPopTEla4EuEKYM2SMqvED__5q3TIhfJxm0"/>
+          <p:cNvPicPr>
+            <a:picLocks noChangeAspect="1" noChangeArrowheads="1"/>
+          </p:cNvPicPr>
           <p:nvPr/>
-        </p:nvSpPr>
-        <p:spPr>
+        </p:nvPicPr>
+        <p:blipFill>
+          <a:blip r:embed="rId3">
+            <a:extLst>
+              <a:ext uri="{28A0092B-C50C-407E-A947-70E740481C1C}">
+                <a14:useLocalDpi xmlns:a14="http://schemas.microsoft.com/office/drawing/2010/main" val="0"/>
+              </a:ext>
+            </a:extLst>
+          </a:blip>
+          <a:srcRect/>
+          <a:stretch>
+            <a:fillRect/>
+          </a:stretch>
+        </p:blipFill>
+        <p:spPr bwMode="auto">
           <a:xfrm>
-            <a:off x="637652" y="772260"/>
-            <a:ext cx="11201400" cy="5170646"/>
+            <a:off x="2710798" y="757509"/>
+            <a:ext cx="6026802" cy="5656977"/>
           </a:xfrm>
           <a:prstGeom prst="rect">
             <a:avLst/>
           </a:prstGeom>
           <a:noFill/>
+          <a:extLst>
+            <a:ext uri="{909E8E84-426E-40DD-AFC4-6F175D3DCCD1}">
+              <a14:hiddenFill xmlns:a14="http://schemas.microsoft.com/office/drawing/2010/main">
+                <a:solidFill>
+                  <a:srgbClr val="FFFFFF"/>
+                </a:solidFill>
+              </a14:hiddenFill>
+            </a:ext>
+          </a:extLst>
         </p:spPr>
-        <p:txBody>
-          <a:bodyPr wrap="square" rtlCol="0">
-            <a:spAutoFit/>
-          </a:bodyPr>
-          <a:lstStyle/>
-          <a:p>
-            <a:pPr marL="342900" indent="-342900">
-              <a:spcBef>
-                <a:spcPts val="1200"/>
-              </a:spcBef>
-              <a:buFont typeface="Arial" panose="020B0604020202020204" pitchFamily="34" charset="0"/>
-              <a:buChar char="•"/>
-            </a:pPr>
-            <a:r>
-              <a:rPr lang="en-US" sz="2400" dirty="0"/>
-              <a:t>Orchestrates client steering operation</a:t>
-            </a:r>
-          </a:p>
-          <a:p>
-            <a:pPr marL="342900" indent="-342900">
-              <a:spcBef>
-                <a:spcPts val="1200"/>
-              </a:spcBef>
-              <a:buFont typeface="Arial" panose="020B0604020202020204" pitchFamily="34" charset="0"/>
-              <a:buChar char="•"/>
-            </a:pPr>
-            <a:r>
-              <a:rPr lang="en-US" sz="2400" dirty="0"/>
-              <a:t>Triggered by optimal path task</a:t>
-            </a:r>
-          </a:p>
-          <a:p>
-            <a:pPr marL="342900" indent="-342900">
-              <a:spcBef>
-                <a:spcPts val="1200"/>
-              </a:spcBef>
-              <a:buFont typeface="Arial" panose="020B0604020202020204" pitchFamily="34" charset="0"/>
-              <a:buChar char="•"/>
-            </a:pPr>
-            <a:r>
-              <a:rPr lang="en-US" sz="2400" dirty="0"/>
-              <a:t>But also supports manual triggering from CLI</a:t>
-            </a:r>
-          </a:p>
-          <a:p>
-            <a:pPr marL="800100" lvl="1" indent="-342900">
-              <a:spcBef>
-                <a:spcPts val="1200"/>
-              </a:spcBef>
-              <a:buFont typeface="Courier New" panose="02070309020205020404" pitchFamily="49" charset="0"/>
-              <a:buChar char="o"/>
-            </a:pPr>
-            <a:r>
-              <a:rPr lang="en-US" sz="2400" dirty="0"/>
-              <a:t>Used for debugging, upper layer algorithm, etc.</a:t>
-            </a:r>
-          </a:p>
-          <a:p>
-            <a:pPr marL="1257300" lvl="2" indent="-342900">
-              <a:spcBef>
-                <a:spcPts val="1200"/>
-              </a:spcBef>
-              <a:buFont typeface="Arial" panose="020B0604020202020204" pitchFamily="34" charset="0"/>
-              <a:buChar char="•"/>
-            </a:pPr>
-            <a:endParaRPr lang="en-US" sz="2400" dirty="0"/>
-          </a:p>
-          <a:p>
-            <a:pPr marL="342900" indent="-342900">
-              <a:spcBef>
-                <a:spcPts val="1200"/>
-              </a:spcBef>
-              <a:buFont typeface="Arial" panose="020B0604020202020204" pitchFamily="34" charset="0"/>
-              <a:buChar char="•"/>
-            </a:pPr>
-            <a:r>
-              <a:rPr lang="en-US" sz="2400" dirty="0"/>
-              <a:t>Legacy steering</a:t>
-            </a:r>
-          </a:p>
-          <a:p>
-            <a:pPr marL="800100" lvl="1" indent="-342900">
-              <a:spcBef>
-                <a:spcPts val="1200"/>
-              </a:spcBef>
-              <a:buFont typeface="Courier New" panose="02070309020205020404" pitchFamily="49" charset="0"/>
-              <a:buChar char="o"/>
-            </a:pPr>
-            <a:r>
-              <a:rPr lang="en-US" sz="2400" dirty="0"/>
-              <a:t>Allow client (STA) in target AP</a:t>
-            </a:r>
-          </a:p>
-          <a:p>
-            <a:pPr marL="800100" lvl="1" indent="-342900">
-              <a:spcBef>
-                <a:spcPts val="1200"/>
-              </a:spcBef>
-              <a:buFont typeface="Courier New" panose="02070309020205020404" pitchFamily="49" charset="0"/>
-              <a:buChar char="o"/>
-            </a:pPr>
-            <a:r>
-              <a:rPr lang="en-US" sz="2400" dirty="0"/>
-              <a:t>Disallow in all other APs in the network</a:t>
-            </a:r>
-          </a:p>
-          <a:p>
-            <a:pPr marL="800100" lvl="1" indent="-342900">
-              <a:spcBef>
-                <a:spcPts val="1200"/>
-              </a:spcBef>
-              <a:buFont typeface="Courier New" panose="02070309020205020404" pitchFamily="49" charset="0"/>
-              <a:buChar char="o"/>
-            </a:pPr>
-            <a:r>
-              <a:rPr lang="en-US" sz="2400" dirty="0"/>
-              <a:t>After steering – allow client in all APs</a:t>
-            </a:r>
-          </a:p>
-          <a:p>
-            <a:pPr marL="1257300" lvl="2" indent="-342900">
-              <a:spcBef>
-                <a:spcPts val="1200"/>
-              </a:spcBef>
-              <a:buFont typeface="Wingdings" panose="05000000000000000000" pitchFamily="2" charset="2"/>
-              <a:buChar char="§"/>
-            </a:pPr>
-            <a:r>
-              <a:rPr lang="en-US" sz="2400" dirty="0"/>
-              <a:t>Prevents STAs from being locked out</a:t>
-            </a:r>
-          </a:p>
-        </p:txBody>
-      </p:sp>
+      </p:pic>
     </p:spTree>
     <p:extLst>
       <p:ext uri="{BB962C8B-B14F-4D97-AF65-F5344CB8AC3E}">
-        <p14:creationId xmlns:p14="http://schemas.microsoft.com/office/powerpoint/2010/main" val="2983475046"/>
+        <p14:creationId xmlns:p14="http://schemas.microsoft.com/office/powerpoint/2010/main" val="137312532"/>
       </p:ext>
     </p:extLst>
   </p:cSld>
@@ -17303,51 +17024,132 @@
           </a:p>
         </p:txBody>
       </p:sp>
-      <p:pic>
-        <p:nvPicPr>
-          <p:cNvPr id="1026" name="Picture 2" descr="https://www.plantuml.com/plantuml/img/jPBD3S8m38Nldi8BT84UgY8MG680558B8gL9YHqGsvD0VsZLSYC7Ath-ykmdfMPHGM9h0RfqCTfqoWdklPFWhQKmatU7auuXa9Ebd5mk9A3p6ot6Eywgboi51fZiYcg4IrJM-WUc3R1LUWdrWqfio3steC-0tymmxSoS4AA0WMwHM42bJUzAw2i0A2l8KMiYPi1qtcK4YcfoB_6OmPvhQCKkDxPopTEla4EuEKYM2SMqvED__5q3TIhfJxm0"/>
-          <p:cNvPicPr>
-            <a:picLocks noChangeAspect="1" noChangeArrowheads="1"/>
-          </p:cNvPicPr>
+      <p:sp>
+        <p:nvSpPr>
+          <p:cNvPr id="2" name="TextBox 1"/>
+          <p:cNvSpPr txBox="1"/>
           <p:nvPr/>
-        </p:nvPicPr>
-        <p:blipFill>
-          <a:blip r:embed="rId3">
-            <a:extLst>
-              <a:ext uri="{28A0092B-C50C-407E-A947-70E740481C1C}">
-                <a14:useLocalDpi xmlns:a14="http://schemas.microsoft.com/office/drawing/2010/main" val="0"/>
-              </a:ext>
-            </a:extLst>
-          </a:blip>
-          <a:srcRect/>
-          <a:stretch>
-            <a:fillRect/>
-          </a:stretch>
-        </p:blipFill>
-        <p:spPr bwMode="auto">
+        </p:nvSpPr>
+        <p:spPr>
           <a:xfrm>
-            <a:off x="2931862" y="825279"/>
-            <a:ext cx="6026802" cy="5656977"/>
+            <a:off x="237797" y="873445"/>
+            <a:ext cx="11201400" cy="6117829"/>
           </a:xfrm>
           <a:prstGeom prst="rect">
             <a:avLst/>
           </a:prstGeom>
           <a:noFill/>
-          <a:extLst>
-            <a:ext uri="{909E8E84-426E-40DD-AFC4-6F175D3DCCD1}">
-              <a14:hiddenFill xmlns:a14="http://schemas.microsoft.com/office/drawing/2010/main">
-                <a:solidFill>
-                  <a:srgbClr val="FFFFFF"/>
-                </a:solidFill>
-              </a14:hiddenFill>
-            </a:ext>
-          </a:extLst>
         </p:spPr>
-      </p:pic>
+        <p:txBody>
+          <a:bodyPr wrap="square" rtlCol="0">
+            <a:spAutoFit/>
+          </a:bodyPr>
+          <a:lstStyle/>
+          <a:p>
+            <a:pPr fontAlgn="ctr">
+              <a:lnSpc>
+                <a:spcPct val="150000"/>
+              </a:lnSpc>
+              <a:spcBef>
+                <a:spcPts val="0"/>
+              </a:spcBef>
+            </a:pPr>
+            <a:r>
+              <a:rPr lang="en-US" sz="2400" b="1" dirty="0"/>
+              <a:t>Two steering options available:</a:t>
+            </a:r>
+          </a:p>
+          <a:p>
+            <a:pPr marL="225425" lvl="1">
+              <a:lnSpc>
+                <a:spcPct val="150000"/>
+              </a:lnSpc>
+            </a:pPr>
+            <a:r>
+              <a:rPr lang="en-US" sz="2400" dirty="0"/>
+              <a:t>1. Optional steering – used only for STAs that support 11v.</a:t>
+            </a:r>
+          </a:p>
+          <a:p>
+            <a:pPr marL="1025525" lvl="2" indent="-342900">
+              <a:lnSpc>
+                <a:spcPct val="150000"/>
+              </a:lnSpc>
+              <a:buFont typeface="Wingdings" panose="05000000000000000000" pitchFamily="2" charset="2"/>
+              <a:buChar char="§"/>
+            </a:pPr>
+            <a:r>
+              <a:rPr lang="en-US" sz="2400" dirty="0"/>
+              <a:t>The request is sent without any disassociate timer.</a:t>
+            </a:r>
+          </a:p>
+          <a:p>
+            <a:pPr marL="1025525" lvl="2" indent="-342900">
+              <a:lnSpc>
+                <a:spcPct val="150000"/>
+              </a:lnSpc>
+              <a:buFont typeface="Wingdings" panose="05000000000000000000" pitchFamily="2" charset="2"/>
+              <a:buChar char="§"/>
+            </a:pPr>
+            <a:r>
+              <a:rPr lang="en-US" sz="2400" dirty="0"/>
+              <a:t>If the STA rejects that request, the steering task is cancelled without any consequences.</a:t>
+            </a:r>
+          </a:p>
+          <a:p>
+            <a:pPr marL="1025525" lvl="2" indent="-342900">
+              <a:lnSpc>
+                <a:spcPct val="150000"/>
+              </a:lnSpc>
+              <a:buFont typeface="Wingdings" panose="05000000000000000000" pitchFamily="2" charset="2"/>
+              <a:buChar char="§"/>
+            </a:pPr>
+            <a:endParaRPr lang="en-US" sz="1400" dirty="0"/>
+          </a:p>
+          <a:p>
+            <a:pPr marL="225425" lvl="1">
+              <a:lnSpc>
+                <a:spcPct val="150000"/>
+              </a:lnSpc>
+            </a:pPr>
+            <a:r>
+              <a:rPr lang="en-US" sz="2400" dirty="0"/>
+              <a:t>2. Forced steering – used for 11v clients and legacy clients.</a:t>
+            </a:r>
+          </a:p>
+          <a:p>
+            <a:pPr marL="568325" lvl="1" indent="-342900">
+              <a:lnSpc>
+                <a:spcPct val="150000"/>
+              </a:lnSpc>
+              <a:buFont typeface="Wingdings" panose="05000000000000000000" pitchFamily="2" charset="2"/>
+              <a:buChar char="§"/>
+            </a:pPr>
+            <a:r>
+              <a:rPr lang="en-US" sz="2400" dirty="0"/>
+              <a:t>The request using a disassociate timer set to 150 beacons for 11v clients or set to 1 beacon for legacy clients (configurable).</a:t>
+            </a:r>
+          </a:p>
+          <a:p>
+            <a:pPr marL="568325" lvl="1" indent="-342900">
+              <a:lnSpc>
+                <a:spcPct val="150000"/>
+              </a:lnSpc>
+              <a:buFont typeface="Wingdings" panose="05000000000000000000" pitchFamily="2" charset="2"/>
+              <a:buChar char="§"/>
+            </a:pPr>
+            <a:r>
+              <a:rPr lang="en-US" sz="2400" dirty="0"/>
+              <a:t>In addition, the controller will add the STA to blacklist on all APs except of the one it wants to steer to.</a:t>
+            </a:r>
+            <a:endParaRPr lang="en-US" sz="1200" dirty="0"/>
+          </a:p>
+        </p:txBody>
+      </p:sp>
     </p:spTree>
     <p:extLst>
       <p:ext uri="{BB962C8B-B14F-4D97-AF65-F5344CB8AC3E}">
-        <p14:creationId xmlns:p14="http://schemas.microsoft.com/office/powerpoint/2010/main" val="129065181"/>
+        <p14:creationId xmlns:p14="http://schemas.microsoft.com/office/powerpoint/2010/main" val="642276132"/>
       </p:ext>
     </p:extLst>
   </p:cSld>
@@ -17456,450 +17258,6 @@
         </p:nvSpPr>
         <p:spPr>
           <a:xfrm>
-            <a:off x="647700" y="1238250"/>
-            <a:ext cx="11201400" cy="3600986"/>
-          </a:xfrm>
-          <a:prstGeom prst="rect">
-            <a:avLst/>
-          </a:prstGeom>
-          <a:noFill/>
-        </p:spPr>
-        <p:txBody>
-          <a:bodyPr wrap="square" rtlCol="0">
-            <a:spAutoFit/>
-          </a:bodyPr>
-          <a:lstStyle/>
-          <a:p>
-            <a:pPr marL="342900" indent="-342900">
-              <a:spcBef>
-                <a:spcPts val="1200"/>
-              </a:spcBef>
-              <a:buFont typeface="Arial" panose="020B0604020202020204" pitchFamily="34" charset="0"/>
-              <a:buChar char="•"/>
-            </a:pPr>
-            <a:r>
-              <a:rPr lang="en-US" sz="2400" dirty="0"/>
-              <a:t>802.11v Steering – BSS_TM_REQ</a:t>
-            </a:r>
-          </a:p>
-          <a:p>
-            <a:pPr marL="1257300" lvl="2" indent="-342900">
-              <a:spcBef>
-                <a:spcPts val="1200"/>
-              </a:spcBef>
-              <a:buFont typeface="Courier New" panose="02070309020205020404" pitchFamily="49" charset="0"/>
-              <a:buChar char="o"/>
-            </a:pPr>
-            <a:r>
-              <a:rPr lang="en-US" sz="2400" dirty="0"/>
-              <a:t>For STAs supporting 802.11v</a:t>
-            </a:r>
-          </a:p>
-          <a:p>
-            <a:pPr marL="1257300" lvl="2" indent="-342900">
-              <a:spcBef>
-                <a:spcPts val="1200"/>
-              </a:spcBef>
-              <a:buFont typeface="Courier New" panose="02070309020205020404" pitchFamily="49" charset="0"/>
-              <a:buChar char="o"/>
-            </a:pPr>
-            <a:r>
-              <a:rPr lang="en-US" sz="2400" dirty="0"/>
-              <a:t>STA marked non 11v if it didn’t respond 3 times in a row</a:t>
-            </a:r>
-          </a:p>
-          <a:p>
-            <a:pPr marL="1714500" lvl="3" indent="-342900">
-              <a:spcBef>
-                <a:spcPts val="1200"/>
-              </a:spcBef>
-              <a:buFont typeface="Wingdings" panose="05000000000000000000" pitchFamily="2" charset="2"/>
-              <a:buChar char="§"/>
-            </a:pPr>
-            <a:r>
-              <a:rPr lang="en-US" sz="2400" dirty="0"/>
-              <a:t>Legacy steering will be used for this STA</a:t>
-            </a:r>
-          </a:p>
-          <a:p>
-            <a:pPr marL="1257300" lvl="2" indent="-342900">
-              <a:spcBef>
-                <a:spcPts val="1200"/>
-              </a:spcBef>
-              <a:buFont typeface="Courier New" panose="02070309020205020404" pitchFamily="49" charset="0"/>
-              <a:buChar char="o"/>
-            </a:pPr>
-            <a:r>
-              <a:rPr lang="en-US" sz="2400" dirty="0"/>
-              <a:t>3 times, it is considered legacy client.</a:t>
-            </a:r>
-          </a:p>
-          <a:p>
-            <a:pPr marL="1257300" lvl="2" indent="-342900">
-              <a:spcBef>
-                <a:spcPts val="1200"/>
-              </a:spcBef>
-              <a:buFont typeface="Courier New" panose="02070309020205020404" pitchFamily="49" charset="0"/>
-              <a:buChar char="o"/>
-            </a:pPr>
-            <a:r>
-              <a:rPr lang="en-US" sz="2400" dirty="0"/>
-              <a:t>Imminent – Mandatory steering request</a:t>
-            </a:r>
-          </a:p>
-          <a:p>
-            <a:pPr marL="1257300" lvl="2" indent="-342900">
-              <a:spcBef>
-                <a:spcPts val="1200"/>
-              </a:spcBef>
-              <a:buFont typeface="Courier New" panose="02070309020205020404" pitchFamily="49" charset="0"/>
-              <a:buChar char="o"/>
-            </a:pPr>
-            <a:r>
-              <a:rPr lang="en-US" sz="2400" dirty="0"/>
-              <a:t>Non-imminent – Optional steering request (STA may refuse)</a:t>
-            </a:r>
-          </a:p>
-        </p:txBody>
-      </p:sp>
-    </p:spTree>
-    <p:extLst>
-      <p:ext uri="{BB962C8B-B14F-4D97-AF65-F5344CB8AC3E}">
-        <p14:creationId xmlns:p14="http://schemas.microsoft.com/office/powerpoint/2010/main" val="4051790623"/>
-      </p:ext>
-    </p:extLst>
-  </p:cSld>
-  <p:clrMapOvr>
-    <a:masterClrMapping/>
-  </p:clrMapOvr>
-</p:sld>
-</file>
-
-<file path=ppt/slides/slide18.xml><?xml version="1.0" encoding="utf-8"?>
-<p:sld xmlns:a="http://schemas.openxmlformats.org/drawingml/2006/main" xmlns:r="http://schemas.openxmlformats.org/officeDocument/2006/relationships" xmlns:p="http://schemas.openxmlformats.org/presentationml/2006/main">
-  <p:cSld>
-    <p:spTree>
-      <p:nvGrpSpPr>
-        <p:cNvPr id="1" name=""/>
-        <p:cNvGrpSpPr/>
-        <p:nvPr/>
-      </p:nvGrpSpPr>
-      <p:grpSpPr>
-        <a:xfrm>
-          <a:off x="0" y="0"/>
-          <a:ext cx="0" cy="0"/>
-          <a:chOff x="0" y="0"/>
-          <a:chExt cx="0" cy="0"/>
-        </a:xfrm>
-      </p:grpSpPr>
-      <p:sp>
-        <p:nvSpPr>
-          <p:cNvPr id="16385" name="Rectangle 2"/>
-          <p:cNvSpPr>
-            <a:spLocks noGrp="1" noChangeArrowheads="1"/>
-          </p:cNvSpPr>
-          <p:nvPr>
-            <p:ph type="title"/>
-          </p:nvPr>
-        </p:nvSpPr>
-        <p:spPr>
-          <a:xfrm>
-            <a:off x="0" y="193947"/>
-            <a:ext cx="12191999" cy="563562"/>
-          </a:xfrm>
-        </p:spPr>
-        <p:txBody>
-          <a:bodyPr/>
-          <a:lstStyle/>
-          <a:p>
-            <a:r>
-              <a:rPr lang="en-US" sz="4000" b="1" dirty="0">
-                <a:solidFill>
-                  <a:srgbClr val="671660"/>
-                </a:solidFill>
-                <a:latin typeface="Nunito"/>
-                <a:ea typeface="Nunito"/>
-                <a:cs typeface="Nunito"/>
-              </a:rPr>
-              <a:t>Client Steering Task</a:t>
-            </a:r>
-          </a:p>
-        </p:txBody>
-      </p:sp>
-      <p:sp>
-        <p:nvSpPr>
-          <p:cNvPr id="5" name="Slide Number Placeholder 4"/>
-          <p:cNvSpPr>
-            <a:spLocks noGrp="1"/>
-          </p:cNvSpPr>
-          <p:nvPr>
-            <p:ph type="sldNum" sz="quarter" idx="12"/>
-          </p:nvPr>
-        </p:nvSpPr>
-        <p:spPr/>
-        <p:txBody>
-          <a:bodyPr/>
-          <a:lstStyle/>
-          <a:p>
-            <a:r>
-              <a:rPr lang="en-US" dirty="0">
-                <a:solidFill>
-                  <a:srgbClr val="000000"/>
-                </a:solidFill>
-              </a:rPr>
-              <a:t>Slide </a:t>
-            </a:r>
-            <a:fld id="{D44EC867-38BC-41FB-A8F2-EFC229E87576}" type="slidenum">
-              <a:rPr lang="en-US" smtClean="0">
-                <a:solidFill>
-                  <a:srgbClr val="000000"/>
-                </a:solidFill>
-              </a:rPr>
-              <a:pPr/>
-              <a:t>18</a:t>
-            </a:fld>
-            <a:endParaRPr lang="en-US" dirty="0">
-              <a:solidFill>
-                <a:srgbClr val="000000"/>
-              </a:solidFill>
-            </a:endParaRPr>
-          </a:p>
-        </p:txBody>
-      </p:sp>
-      <p:sp>
-        <p:nvSpPr>
-          <p:cNvPr id="2" name="TextBox 1"/>
-          <p:cNvSpPr txBox="1"/>
-          <p:nvPr/>
-        </p:nvSpPr>
-        <p:spPr>
-          <a:xfrm>
-            <a:off x="237797" y="873445"/>
-            <a:ext cx="11201400" cy="6117829"/>
-          </a:xfrm>
-          <a:prstGeom prst="rect">
-            <a:avLst/>
-          </a:prstGeom>
-          <a:noFill/>
-        </p:spPr>
-        <p:txBody>
-          <a:bodyPr wrap="square" rtlCol="0">
-            <a:spAutoFit/>
-          </a:bodyPr>
-          <a:lstStyle/>
-          <a:p>
-            <a:pPr fontAlgn="ctr">
-              <a:lnSpc>
-                <a:spcPct val="150000"/>
-              </a:lnSpc>
-              <a:spcBef>
-                <a:spcPts val="0"/>
-              </a:spcBef>
-            </a:pPr>
-            <a:r>
-              <a:rPr lang="en-US" sz="2400" b="1" dirty="0"/>
-              <a:t>Two steering options available:</a:t>
-            </a:r>
-          </a:p>
-          <a:p>
-            <a:pPr marL="225425" lvl="1">
-              <a:lnSpc>
-                <a:spcPct val="150000"/>
-              </a:lnSpc>
-            </a:pPr>
-            <a:r>
-              <a:rPr lang="en-US" sz="2400" dirty="0"/>
-              <a:t>1. Optional steering – used only for STAs that support 11v.</a:t>
-            </a:r>
-          </a:p>
-          <a:p>
-            <a:pPr marL="1025525" lvl="2" indent="-342900">
-              <a:lnSpc>
-                <a:spcPct val="150000"/>
-              </a:lnSpc>
-              <a:buFont typeface="Wingdings" panose="05000000000000000000" pitchFamily="2" charset="2"/>
-              <a:buChar char="§"/>
-            </a:pPr>
-            <a:r>
-              <a:rPr lang="en-US" sz="2400" dirty="0"/>
-              <a:t>The request is sent without any disassociate timer.</a:t>
-            </a:r>
-          </a:p>
-          <a:p>
-            <a:pPr marL="1025525" lvl="2" indent="-342900">
-              <a:lnSpc>
-                <a:spcPct val="150000"/>
-              </a:lnSpc>
-              <a:buFont typeface="Wingdings" panose="05000000000000000000" pitchFamily="2" charset="2"/>
-              <a:buChar char="§"/>
-            </a:pPr>
-            <a:r>
-              <a:rPr lang="en-US" sz="2400" dirty="0"/>
-              <a:t>If the STA rejects that request, the steering task is cancelled without any consequences.</a:t>
-            </a:r>
-          </a:p>
-          <a:p>
-            <a:pPr marL="1025525" lvl="2" indent="-342900">
-              <a:lnSpc>
-                <a:spcPct val="150000"/>
-              </a:lnSpc>
-              <a:buFont typeface="Wingdings" panose="05000000000000000000" pitchFamily="2" charset="2"/>
-              <a:buChar char="§"/>
-            </a:pPr>
-            <a:endParaRPr lang="en-US" sz="1400" dirty="0"/>
-          </a:p>
-          <a:p>
-            <a:pPr marL="225425" lvl="1">
-              <a:lnSpc>
-                <a:spcPct val="150000"/>
-              </a:lnSpc>
-            </a:pPr>
-            <a:r>
-              <a:rPr lang="en-US" sz="2400" dirty="0"/>
-              <a:t>2. Forced steering – used for 11v clients and legacy clients.</a:t>
-            </a:r>
-          </a:p>
-          <a:p>
-            <a:pPr marL="568325" lvl="1" indent="-342900">
-              <a:lnSpc>
-                <a:spcPct val="150000"/>
-              </a:lnSpc>
-              <a:buFont typeface="Wingdings" panose="05000000000000000000" pitchFamily="2" charset="2"/>
-              <a:buChar char="§"/>
-            </a:pPr>
-            <a:r>
-              <a:rPr lang="en-US" sz="2400" dirty="0"/>
-              <a:t>The request using a disassociate timer set to 10sec for 11k clients or set to 1sec for legacy clients (configurable).</a:t>
-            </a:r>
-          </a:p>
-          <a:p>
-            <a:pPr marL="568325" lvl="1" indent="-342900">
-              <a:lnSpc>
-                <a:spcPct val="150000"/>
-              </a:lnSpc>
-              <a:buFont typeface="Wingdings" panose="05000000000000000000" pitchFamily="2" charset="2"/>
-              <a:buChar char="§"/>
-            </a:pPr>
-            <a:r>
-              <a:rPr lang="en-US" sz="2400" dirty="0"/>
-              <a:t>In addition, the controller will add the STA to blacklist on all APs except of the one it wants to steer to.</a:t>
-            </a:r>
-            <a:endParaRPr lang="en-US" sz="1200" dirty="0"/>
-          </a:p>
-        </p:txBody>
-      </p:sp>
-    </p:spTree>
-    <p:extLst>
-      <p:ext uri="{BB962C8B-B14F-4D97-AF65-F5344CB8AC3E}">
-        <p14:creationId xmlns:p14="http://schemas.microsoft.com/office/powerpoint/2010/main" val="642276132"/>
-      </p:ext>
-    </p:extLst>
-  </p:cSld>
-  <p:clrMapOvr>
-    <a:masterClrMapping/>
-  </p:clrMapOvr>
-</p:sld>
-</file>
-
-<file path=ppt/slides/slide19.xml><?xml version="1.0" encoding="utf-8"?>
-<p:sld xmlns:a="http://schemas.openxmlformats.org/drawingml/2006/main" xmlns:r="http://schemas.openxmlformats.org/officeDocument/2006/relationships" xmlns:p="http://schemas.openxmlformats.org/presentationml/2006/main">
-  <p:cSld>
-    <p:spTree>
-      <p:nvGrpSpPr>
-        <p:cNvPr id="1" name=""/>
-        <p:cNvGrpSpPr/>
-        <p:nvPr/>
-      </p:nvGrpSpPr>
-      <p:grpSpPr>
-        <a:xfrm>
-          <a:off x="0" y="0"/>
-          <a:ext cx="0" cy="0"/>
-          <a:chOff x="0" y="0"/>
-          <a:chExt cx="0" cy="0"/>
-        </a:xfrm>
-      </p:grpSpPr>
-      <p:sp>
-        <p:nvSpPr>
-          <p:cNvPr id="16385" name="Rectangle 2"/>
-          <p:cNvSpPr>
-            <a:spLocks noGrp="1" noChangeArrowheads="1"/>
-          </p:cNvSpPr>
-          <p:nvPr>
-            <p:ph type="title"/>
-          </p:nvPr>
-        </p:nvSpPr>
-        <p:spPr>
-          <a:xfrm>
-            <a:off x="0" y="193947"/>
-            <a:ext cx="12191999" cy="563562"/>
-          </a:xfrm>
-        </p:spPr>
-        <p:txBody>
-          <a:bodyPr/>
-          <a:lstStyle/>
-          <a:p>
-            <a:r>
-              <a:rPr lang="en-US" sz="4000" b="1" dirty="0">
-                <a:solidFill>
-                  <a:srgbClr val="671660"/>
-                </a:solidFill>
-                <a:latin typeface="Nunito"/>
-                <a:ea typeface="Nunito"/>
-                <a:cs typeface="Nunito"/>
-              </a:rPr>
-              <a:t>Client Steering Task</a:t>
-            </a:r>
-          </a:p>
-        </p:txBody>
-      </p:sp>
-      <p:sp>
-        <p:nvSpPr>
-          <p:cNvPr id="5" name="Slide Number Placeholder 4"/>
-          <p:cNvSpPr>
-            <a:spLocks noGrp="1"/>
-          </p:cNvSpPr>
-          <p:nvPr>
-            <p:ph type="sldNum" sz="quarter" idx="12"/>
-          </p:nvPr>
-        </p:nvSpPr>
-        <p:spPr/>
-        <p:txBody>
-          <a:bodyPr/>
-          <a:lstStyle/>
-          <a:p>
-            <a:r>
-              <a:rPr lang="en-US" dirty="0">
-                <a:solidFill>
-                  <a:srgbClr val="000000"/>
-                </a:solidFill>
-              </a:rPr>
-              <a:t>Slide </a:t>
-            </a:r>
-            <a:fld id="{D44EC867-38BC-41FB-A8F2-EFC229E87576}" type="slidenum">
-              <a:rPr lang="en-US" smtClean="0">
-                <a:solidFill>
-                  <a:srgbClr val="000000"/>
-                </a:solidFill>
-              </a:rPr>
-              <a:pPr/>
-              <a:t>19</a:t>
-            </a:fld>
-            <a:endParaRPr lang="en-US" dirty="0">
-              <a:solidFill>
-                <a:srgbClr val="000000"/>
-              </a:solidFill>
-            </a:endParaRPr>
-          </a:p>
-        </p:txBody>
-      </p:sp>
-      <p:sp>
-        <p:nvSpPr>
-          <p:cNvPr id="2" name="TextBox 1"/>
-          <p:cNvSpPr txBox="1"/>
-          <p:nvPr/>
-        </p:nvSpPr>
-        <p:spPr>
-          <a:xfrm>
             <a:off x="237797" y="873445"/>
             <a:ext cx="11201400" cy="4455835"/>
           </a:xfrm>
@@ -17988,6 +17346,388 @@
     <p:extLst>
       <p:ext uri="{BB962C8B-B14F-4D97-AF65-F5344CB8AC3E}">
         <p14:creationId xmlns:p14="http://schemas.microsoft.com/office/powerpoint/2010/main" val="3439171860"/>
+      </p:ext>
+    </p:extLst>
+  </p:cSld>
+  <p:clrMapOvr>
+    <a:masterClrMapping/>
+  </p:clrMapOvr>
+</p:sld>
+</file>
+
+<file path=ppt/slides/slide18.xml><?xml version="1.0" encoding="utf-8"?>
+<p:sld xmlns:a="http://schemas.openxmlformats.org/drawingml/2006/main" xmlns:r="http://schemas.openxmlformats.org/officeDocument/2006/relationships" xmlns:p="http://schemas.openxmlformats.org/presentationml/2006/main">
+  <p:cSld>
+    <p:spTree>
+      <p:nvGrpSpPr>
+        <p:cNvPr id="1" name=""/>
+        <p:cNvGrpSpPr/>
+        <p:nvPr/>
+      </p:nvGrpSpPr>
+      <p:grpSpPr>
+        <a:xfrm>
+          <a:off x="0" y="0"/>
+          <a:ext cx="0" cy="0"/>
+          <a:chOff x="0" y="0"/>
+          <a:chExt cx="0" cy="0"/>
+        </a:xfrm>
+      </p:grpSpPr>
+      <p:sp>
+        <p:nvSpPr>
+          <p:cNvPr id="16385" name="Rectangle 2"/>
+          <p:cNvSpPr>
+            <a:spLocks noGrp="1" noChangeArrowheads="1"/>
+          </p:cNvSpPr>
+          <p:nvPr>
+            <p:ph type="title"/>
+          </p:nvPr>
+        </p:nvSpPr>
+        <p:spPr>
+          <a:xfrm>
+            <a:off x="0" y="193947"/>
+            <a:ext cx="12191999" cy="563562"/>
+          </a:xfrm>
+        </p:spPr>
+        <p:txBody>
+          <a:bodyPr/>
+          <a:lstStyle/>
+          <a:p>
+            <a:r>
+              <a:rPr lang="en-US" sz="4000" b="1" dirty="0">
+                <a:solidFill>
+                  <a:srgbClr val="671660"/>
+                </a:solidFill>
+                <a:latin typeface="Nunito"/>
+                <a:ea typeface="Nunito"/>
+                <a:cs typeface="Nunito"/>
+              </a:rPr>
+              <a:t>Client Locating Task</a:t>
+            </a:r>
+          </a:p>
+        </p:txBody>
+      </p:sp>
+      <p:sp>
+        <p:nvSpPr>
+          <p:cNvPr id="5" name="Slide Number Placeholder 4"/>
+          <p:cNvSpPr>
+            <a:spLocks noGrp="1"/>
+          </p:cNvSpPr>
+          <p:nvPr>
+            <p:ph type="sldNum" sz="quarter" idx="12"/>
+          </p:nvPr>
+        </p:nvSpPr>
+        <p:spPr/>
+        <p:txBody>
+          <a:bodyPr/>
+          <a:lstStyle/>
+          <a:p>
+            <a:r>
+              <a:rPr lang="en-US" dirty="0">
+                <a:solidFill>
+                  <a:srgbClr val="000000"/>
+                </a:solidFill>
+              </a:rPr>
+              <a:t>Slide </a:t>
+            </a:r>
+            <a:fld id="{D44EC867-38BC-41FB-A8F2-EFC229E87576}" type="slidenum">
+              <a:rPr lang="en-US" smtClean="0">
+                <a:solidFill>
+                  <a:srgbClr val="000000"/>
+                </a:solidFill>
+              </a:rPr>
+              <a:pPr/>
+              <a:t>18</a:t>
+            </a:fld>
+            <a:endParaRPr lang="en-US" dirty="0">
+              <a:solidFill>
+                <a:srgbClr val="000000"/>
+              </a:solidFill>
+            </a:endParaRPr>
+          </a:p>
+        </p:txBody>
+      </p:sp>
+      <p:sp>
+        <p:nvSpPr>
+          <p:cNvPr id="2" name="TextBox 1"/>
+          <p:cNvSpPr txBox="1"/>
+          <p:nvPr/>
+        </p:nvSpPr>
+        <p:spPr>
+          <a:xfrm>
+            <a:off x="647700" y="1238250"/>
+            <a:ext cx="11201400" cy="3409395"/>
+          </a:xfrm>
+          <a:prstGeom prst="rect">
+            <a:avLst/>
+          </a:prstGeom>
+          <a:noFill/>
+        </p:spPr>
+        <p:txBody>
+          <a:bodyPr wrap="square" rtlCol="0">
+            <a:spAutoFit/>
+          </a:bodyPr>
+          <a:lstStyle/>
+          <a:p>
+            <a:pPr marL="342900" indent="-342900">
+              <a:lnSpc>
+                <a:spcPct val="150000"/>
+              </a:lnSpc>
+              <a:spcBef>
+                <a:spcPts val="1200"/>
+              </a:spcBef>
+              <a:buFont typeface="Arial" panose="020B0604020202020204" pitchFamily="34" charset="0"/>
+              <a:buChar char="•"/>
+            </a:pPr>
+            <a:r>
+              <a:rPr lang="en-US" sz="2400" dirty="0"/>
+              <a:t>Wired (Ethernet) clients locating</a:t>
+            </a:r>
+          </a:p>
+          <a:p>
+            <a:pPr marL="342900" indent="-342900">
+              <a:lnSpc>
+                <a:spcPct val="150000"/>
+              </a:lnSpc>
+              <a:spcBef>
+                <a:spcPts val="1200"/>
+              </a:spcBef>
+              <a:buFont typeface="Arial" panose="020B0604020202020204" pitchFamily="34" charset="0"/>
+              <a:buChar char="•"/>
+            </a:pPr>
+            <a:r>
+              <a:rPr lang="en-US" sz="2400" dirty="0"/>
+              <a:t>Sends ARP query to all connected agents</a:t>
+            </a:r>
+          </a:p>
+          <a:p>
+            <a:pPr marL="342900" indent="-342900">
+              <a:lnSpc>
+                <a:spcPct val="150000"/>
+              </a:lnSpc>
+              <a:spcBef>
+                <a:spcPts val="1200"/>
+              </a:spcBef>
+              <a:buFont typeface="Arial" panose="020B0604020202020204" pitchFamily="34" charset="0"/>
+              <a:buChar char="•"/>
+            </a:pPr>
+            <a:r>
+              <a:rPr lang="en-US" sz="2400" dirty="0"/>
+              <a:t>Collects ARP responses</a:t>
+            </a:r>
+          </a:p>
+          <a:p>
+            <a:pPr marL="342900" indent="-342900">
+              <a:lnSpc>
+                <a:spcPct val="150000"/>
+              </a:lnSpc>
+              <a:spcBef>
+                <a:spcPts val="1200"/>
+              </a:spcBef>
+              <a:buFont typeface="Arial" panose="020B0604020202020204" pitchFamily="34" charset="0"/>
+              <a:buChar char="•"/>
+            </a:pPr>
+            <a:r>
+              <a:rPr lang="en-US" sz="2400" dirty="0"/>
+              <a:t>Client connected to deepest agent which answered</a:t>
+            </a:r>
+          </a:p>
+          <a:p>
+            <a:pPr marL="342900" indent="-342900">
+              <a:lnSpc>
+                <a:spcPct val="150000"/>
+              </a:lnSpc>
+              <a:spcBef>
+                <a:spcPts val="1200"/>
+              </a:spcBef>
+              <a:buFont typeface="Arial" panose="020B0604020202020204" pitchFamily="34" charset="0"/>
+              <a:buChar char="•"/>
+            </a:pPr>
+            <a:r>
+              <a:rPr lang="en-US" sz="2400" dirty="0"/>
+              <a:t>Updated clients triggers DB update and BML listeners (for network map)</a:t>
+            </a:r>
+          </a:p>
+        </p:txBody>
+      </p:sp>
+    </p:spTree>
+    <p:extLst>
+      <p:ext uri="{BB962C8B-B14F-4D97-AF65-F5344CB8AC3E}">
+        <p14:creationId xmlns:p14="http://schemas.microsoft.com/office/powerpoint/2010/main" val="732502275"/>
+      </p:ext>
+    </p:extLst>
+  </p:cSld>
+  <p:clrMapOvr>
+    <a:masterClrMapping/>
+  </p:clrMapOvr>
+</p:sld>
+</file>
+
+<file path=ppt/slides/slide19.xml><?xml version="1.0" encoding="utf-8"?>
+<p:sld xmlns:a="http://schemas.openxmlformats.org/drawingml/2006/main" xmlns:r="http://schemas.openxmlformats.org/officeDocument/2006/relationships" xmlns:p="http://schemas.openxmlformats.org/presentationml/2006/main">
+  <p:cSld>
+    <p:spTree>
+      <p:nvGrpSpPr>
+        <p:cNvPr id="1" name=""/>
+        <p:cNvGrpSpPr/>
+        <p:nvPr/>
+      </p:nvGrpSpPr>
+      <p:grpSpPr>
+        <a:xfrm>
+          <a:off x="0" y="0"/>
+          <a:ext cx="0" cy="0"/>
+          <a:chOff x="0" y="0"/>
+          <a:chExt cx="0" cy="0"/>
+        </a:xfrm>
+      </p:grpSpPr>
+      <p:sp>
+        <p:nvSpPr>
+          <p:cNvPr id="16385" name="Rectangle 2"/>
+          <p:cNvSpPr>
+            <a:spLocks noGrp="1" noChangeArrowheads="1"/>
+          </p:cNvSpPr>
+          <p:nvPr>
+            <p:ph type="title"/>
+          </p:nvPr>
+        </p:nvSpPr>
+        <p:spPr>
+          <a:xfrm>
+            <a:off x="0" y="193947"/>
+            <a:ext cx="12191999" cy="563562"/>
+          </a:xfrm>
+        </p:spPr>
+        <p:txBody>
+          <a:bodyPr/>
+          <a:lstStyle/>
+          <a:p>
+            <a:r>
+              <a:rPr lang="en-US" sz="4000" b="1" dirty="0">
+                <a:solidFill>
+                  <a:srgbClr val="671660"/>
+                </a:solidFill>
+                <a:latin typeface="Nunito"/>
+                <a:ea typeface="Nunito"/>
+                <a:cs typeface="Nunito"/>
+              </a:rPr>
+              <a:t>BML Task</a:t>
+            </a:r>
+          </a:p>
+        </p:txBody>
+      </p:sp>
+      <p:sp>
+        <p:nvSpPr>
+          <p:cNvPr id="5" name="Slide Number Placeholder 4"/>
+          <p:cNvSpPr>
+            <a:spLocks noGrp="1"/>
+          </p:cNvSpPr>
+          <p:nvPr>
+            <p:ph type="sldNum" sz="quarter" idx="12"/>
+          </p:nvPr>
+        </p:nvSpPr>
+        <p:spPr/>
+        <p:txBody>
+          <a:bodyPr/>
+          <a:lstStyle/>
+          <a:p>
+            <a:r>
+              <a:rPr lang="en-US" dirty="0">
+                <a:solidFill>
+                  <a:srgbClr val="000000"/>
+                </a:solidFill>
+              </a:rPr>
+              <a:t>Slide </a:t>
+            </a:r>
+            <a:fld id="{D44EC867-38BC-41FB-A8F2-EFC229E87576}" type="slidenum">
+              <a:rPr lang="en-US" smtClean="0">
+                <a:solidFill>
+                  <a:srgbClr val="000000"/>
+                </a:solidFill>
+              </a:rPr>
+              <a:pPr/>
+              <a:t>19</a:t>
+            </a:fld>
+            <a:endParaRPr lang="en-US" dirty="0">
+              <a:solidFill>
+                <a:srgbClr val="000000"/>
+              </a:solidFill>
+            </a:endParaRPr>
+          </a:p>
+        </p:txBody>
+      </p:sp>
+      <p:sp>
+        <p:nvSpPr>
+          <p:cNvPr id="2" name="TextBox 1"/>
+          <p:cNvSpPr txBox="1"/>
+          <p:nvPr/>
+        </p:nvSpPr>
+        <p:spPr>
+          <a:xfrm>
+            <a:off x="647700" y="1238250"/>
+            <a:ext cx="11201400" cy="1993623"/>
+          </a:xfrm>
+          <a:prstGeom prst="rect">
+            <a:avLst/>
+          </a:prstGeom>
+          <a:noFill/>
+        </p:spPr>
+        <p:txBody>
+          <a:bodyPr wrap="square" rtlCol="0">
+            <a:spAutoFit/>
+          </a:bodyPr>
+          <a:lstStyle/>
+          <a:p>
+            <a:pPr marL="342900" indent="-342900">
+              <a:lnSpc>
+                <a:spcPct val="150000"/>
+              </a:lnSpc>
+              <a:spcBef>
+                <a:spcPts val="1200"/>
+              </a:spcBef>
+              <a:buFont typeface="Arial" panose="020B0604020202020204" pitchFamily="34" charset="0"/>
+              <a:buChar char="•"/>
+            </a:pPr>
+            <a:r>
+              <a:rPr lang="en-US" sz="2400" dirty="0"/>
+              <a:t>Manages all BML connections to the controller</a:t>
+            </a:r>
+          </a:p>
+          <a:p>
+            <a:pPr marL="342900" indent="-342900">
+              <a:lnSpc>
+                <a:spcPct val="150000"/>
+              </a:lnSpc>
+              <a:spcBef>
+                <a:spcPts val="1200"/>
+              </a:spcBef>
+              <a:buFont typeface="Arial" panose="020B0604020202020204" pitchFamily="34" charset="0"/>
+              <a:buChar char="•"/>
+            </a:pPr>
+            <a:r>
+              <a:rPr lang="en-US" sz="2400" dirty="0"/>
+              <a:t>Registers/Unregisters listeners for network map and statistics updates</a:t>
+            </a:r>
+          </a:p>
+          <a:p>
+            <a:pPr marL="342900" indent="-342900">
+              <a:lnSpc>
+                <a:spcPct val="150000"/>
+              </a:lnSpc>
+              <a:spcBef>
+                <a:spcPts val="1200"/>
+              </a:spcBef>
+              <a:buFont typeface="Arial" panose="020B0604020202020204" pitchFamily="34" charset="0"/>
+              <a:buChar char="•"/>
+            </a:pPr>
+            <a:r>
+              <a:rPr lang="en-US" sz="2400" dirty="0"/>
+              <a:t>Sends updates to all listeners on network map changes or statistics events</a:t>
+            </a:r>
+          </a:p>
+        </p:txBody>
+      </p:sp>
+    </p:spTree>
+    <p:extLst>
+      <p:ext uri="{BB962C8B-B14F-4D97-AF65-F5344CB8AC3E}">
+        <p14:creationId xmlns:p14="http://schemas.microsoft.com/office/powerpoint/2010/main" val="1381309854"/>
       </p:ext>
     </p:extLst>
   </p:cSld>
@@ -18240,7 +17980,7 @@
                 <a:ea typeface="Nunito"/>
                 <a:cs typeface="Nunito"/>
               </a:rPr>
-              <a:t>Client Locating Task</a:t>
+              <a:t>Optimal Path Task</a:t>
             </a:r>
           </a:p>
         </p:txBody>
@@ -18293,8 +18033,8 @@
         </p:nvSpPr>
         <p:spPr>
           <a:xfrm>
-            <a:off x="647700" y="1238250"/>
-            <a:ext cx="11201400" cy="3409395"/>
+            <a:off x="647699" y="1238250"/>
+            <a:ext cx="10051831" cy="5533053"/>
           </a:xfrm>
           <a:prstGeom prst="rect">
             <a:avLst/>
@@ -18319,7 +18059,7 @@
             </a:pPr>
             <a:r>
               <a:rPr lang="en-US" sz="2400" dirty="0"/>
-              <a:t>Wired (Ethernet) clients locating</a:t>
+              <a:t>Selects best AP for connected STAs</a:t>
             </a:r>
           </a:p>
           <a:p>
@@ -18335,7 +18075,47 @@
             </a:pPr>
             <a:r>
               <a:rPr lang="en-US" sz="2400" dirty="0"/>
-              <a:t>Sends ARP query to all connected agents</a:t>
+              <a:t>Triggered by</a:t>
+            </a:r>
+          </a:p>
+          <a:p>
+            <a:pPr marL="800100" lvl="1" indent="-342900">
+              <a:lnSpc>
+                <a:spcPct val="150000"/>
+              </a:lnSpc>
+              <a:spcBef>
+                <a:spcPts val="1200"/>
+              </a:spcBef>
+              <a:buFont typeface="Arial" panose="020B0604020202020204" pitchFamily="34" charset="0"/>
+              <a:buChar char="•"/>
+            </a:pPr>
+            <a:r>
+              <a:rPr lang="en-US" sz="2400" b="1" dirty="0"/>
+              <a:t>Association handling task </a:t>
+            </a:r>
+            <a:r>
+              <a:rPr lang="en-US" sz="2400" dirty="0"/>
+              <a:t>– on STA successful association</a:t>
+            </a:r>
+          </a:p>
+          <a:p>
+            <a:pPr marL="800100" lvl="1" indent="-342900">
+              <a:lnSpc>
+                <a:spcPct val="150000"/>
+              </a:lnSpc>
+              <a:spcBef>
+                <a:spcPts val="1200"/>
+              </a:spcBef>
+              <a:buFont typeface="Arial" panose="020B0604020202020204" pitchFamily="34" charset="0"/>
+              <a:buChar char="•"/>
+            </a:pPr>
+            <a:r>
+              <a:rPr lang="en-US" sz="2400" b="1" dirty="0"/>
+              <a:t>AP Monitor </a:t>
+            </a:r>
+            <a:r>
+              <a:rPr lang="en-US" sz="2400" dirty="0"/>
+              <a:t>– on RSSI threshold crossing</a:t>
             </a:r>
           </a:p>
           <a:p>
@@ -18351,7 +18131,7 @@
             </a:pPr>
             <a:r>
               <a:rPr lang="en-US" sz="2400" dirty="0"/>
-              <a:t>Collects ARP responses</a:t>
+              <a:t>Triggers steering task based upon decision to steer</a:t>
             </a:r>
           </a:p>
           <a:p>
@@ -18367,7 +18147,7 @@
             </a:pPr>
             <a:r>
               <a:rPr lang="en-US" sz="2400" dirty="0"/>
-              <a:t>Client connected to deepest agent which answered</a:t>
+              <a:t>Dynamically detects single band clients.</a:t>
             </a:r>
           </a:p>
           <a:p>
@@ -18383,15 +18163,28 @@
             </a:pPr>
             <a:r>
               <a:rPr lang="en-US" sz="2400" dirty="0"/>
-              <a:t>Updated clients triggers DB update and BML listeners (for network map)</a:t>
+              <a:t>Dynamically detect non 11k (legacy) clients.</a:t>
             </a:r>
+          </a:p>
+          <a:p>
+            <a:pPr marL="342900" indent="-342900">
+              <a:lnSpc>
+                <a:spcPct val="150000"/>
+              </a:lnSpc>
+              <a:spcBef>
+                <a:spcPts val="1200"/>
+              </a:spcBef>
+              <a:buFont typeface="Arial" panose="020B0604020202020204" pitchFamily="34" charset="0"/>
+              <a:buChar char="•"/>
+            </a:pPr>
+            <a:endParaRPr lang="en-US" sz="2400" dirty="0"/>
           </a:p>
         </p:txBody>
       </p:sp>
     </p:spTree>
     <p:extLst>
       <p:ext uri="{BB962C8B-B14F-4D97-AF65-F5344CB8AC3E}">
-        <p14:creationId xmlns:p14="http://schemas.microsoft.com/office/powerpoint/2010/main" val="732502275"/>
+        <p14:creationId xmlns:p14="http://schemas.microsoft.com/office/powerpoint/2010/main" val="3290997317"/>
       </p:ext>
     </p:extLst>
   </p:cSld>
@@ -18447,7 +18240,7 @@
                 <a:ea typeface="Nunito"/>
                 <a:cs typeface="Nunito"/>
               </a:rPr>
-              <a:t>BML Task</a:t>
+              <a:t>Optimal Path Task</a:t>
             </a:r>
           </a:p>
         </p:txBody>
@@ -18500,8 +18293,8 @@
         </p:nvSpPr>
         <p:spPr>
           <a:xfrm>
-            <a:off x="647700" y="1238250"/>
-            <a:ext cx="11201400" cy="1993623"/>
+            <a:off x="647699" y="1238250"/>
+            <a:ext cx="10051831" cy="5717719"/>
           </a:xfrm>
           <a:prstGeom prst="rect">
             <a:avLst/>
@@ -18526,8 +18319,171 @@
             </a:pPr>
             <a:r>
               <a:rPr lang="en-US" sz="2400" dirty="0"/>
-              <a:t>Manages all BML connections to the controller</a:t>
+              <a:t>Steering decision</a:t>
             </a:r>
+          </a:p>
+          <a:p>
+            <a:pPr lvl="2" indent="-342900">
+              <a:buFont typeface="Courier New" panose="02070309020205020404" pitchFamily="49" charset="0"/>
+              <a:buChar char="o"/>
+            </a:pPr>
+            <a:r>
+              <a:rPr lang="en-US" sz="2400" dirty="0"/>
+              <a:t>Based on maximum estimated </a:t>
+            </a:r>
+            <a:r>
+              <a:rPr lang="en-US" sz="2400" b="1" dirty="0"/>
+              <a:t>downlink PHY rate </a:t>
+            </a:r>
+            <a:r>
+              <a:rPr lang="en-US" sz="2400" dirty="0"/>
+              <a:t>(Default)</a:t>
+            </a:r>
+          </a:p>
+          <a:p>
+            <a:pPr lvl="2" indent="-342900">
+              <a:buFont typeface="Courier New" panose="02070309020205020404" pitchFamily="49" charset="0"/>
+              <a:buChar char="o"/>
+            </a:pPr>
+            <a:r>
+              <a:rPr lang="en-US" sz="2400" dirty="0"/>
+              <a:t>Based on maximum estimated </a:t>
+            </a:r>
+            <a:r>
+              <a:rPr lang="en-US" sz="2400" b="1" dirty="0"/>
+              <a:t>downlink RSSI</a:t>
+            </a:r>
+          </a:p>
+          <a:p>
+            <a:pPr marL="571500" lvl="2"/>
+            <a:endParaRPr lang="en-US" sz="2400" dirty="0"/>
+          </a:p>
+          <a:p>
+            <a:pPr marL="342900" indent="-342900">
+              <a:buFont typeface="Arial" panose="020B0604020202020204" pitchFamily="34" charset="0"/>
+              <a:buChar char="•"/>
+            </a:pPr>
+            <a:r>
+              <a:rPr lang="en-US" sz="2400" dirty="0">
+                <a:solidFill>
+                  <a:schemeClr val="dk1"/>
+                </a:solidFill>
+              </a:rPr>
+              <a:t>Estimated downlink PHY rate calculation using</a:t>
+            </a:r>
+          </a:p>
+          <a:p>
+            <a:pPr marL="800100" lvl="1" indent="-342900">
+              <a:buFont typeface="Courier New" panose="02070309020205020404" pitchFamily="49" charset="0"/>
+              <a:buChar char="o"/>
+            </a:pPr>
+            <a:r>
+              <a:rPr lang="en-US" sz="2400" dirty="0">
+                <a:solidFill>
+                  <a:schemeClr val="dk1"/>
+                </a:solidFill>
+              </a:rPr>
+              <a:t>Number of antennas</a:t>
+            </a:r>
+          </a:p>
+          <a:p>
+            <a:pPr marL="800100" lvl="1" indent="-342900">
+              <a:buFont typeface="Courier New" panose="02070309020205020404" pitchFamily="49" charset="0"/>
+              <a:buChar char="o"/>
+            </a:pPr>
+            <a:r>
+              <a:rPr lang="en-US" sz="2400" dirty="0">
+                <a:solidFill>
+                  <a:schemeClr val="dk1"/>
+                </a:solidFill>
+              </a:rPr>
+              <a:t>TX power</a:t>
+            </a:r>
+          </a:p>
+          <a:p>
+            <a:pPr marL="800100" lvl="1" indent="-342900">
+              <a:buFont typeface="Courier New" panose="02070309020205020404" pitchFamily="49" charset="0"/>
+              <a:buChar char="o"/>
+            </a:pPr>
+            <a:r>
+              <a:rPr lang="en-US" sz="2400" dirty="0">
+                <a:solidFill>
+                  <a:schemeClr val="dk1"/>
+                </a:solidFill>
+              </a:rPr>
+              <a:t>Channel bandwidth</a:t>
+            </a:r>
+          </a:p>
+          <a:p>
+            <a:pPr marL="800100" lvl="1" indent="-342900">
+              <a:buFont typeface="Courier New" panose="02070309020205020404" pitchFamily="49" charset="0"/>
+              <a:buChar char="o"/>
+            </a:pPr>
+            <a:r>
+              <a:rPr lang="en-US" sz="2400" dirty="0">
+                <a:solidFill>
+                  <a:schemeClr val="dk1"/>
+                </a:solidFill>
+              </a:rPr>
+              <a:t>Supported rates</a:t>
+            </a:r>
+          </a:p>
+          <a:p>
+            <a:pPr marL="800100" lvl="1" indent="-342900">
+              <a:buFont typeface="Courier New" panose="02070309020205020404" pitchFamily="49" charset="0"/>
+              <a:buChar char="o"/>
+            </a:pPr>
+            <a:r>
+              <a:rPr lang="en-US" sz="2400" dirty="0">
+                <a:solidFill>
+                  <a:schemeClr val="dk1"/>
+                </a:solidFill>
+              </a:rPr>
+              <a:t>Downlink RSSI</a:t>
+            </a:r>
+          </a:p>
+          <a:p>
+            <a:pPr marL="1257300" lvl="2" indent="-342900">
+              <a:buFont typeface="Wingdings" panose="05000000000000000000" pitchFamily="2" charset="2"/>
+              <a:buChar char="§"/>
+            </a:pPr>
+            <a:r>
+              <a:rPr lang="en-US" sz="2400" dirty="0">
+                <a:solidFill>
+                  <a:schemeClr val="dk1"/>
+                </a:solidFill>
+              </a:rPr>
+              <a:t>11K for supporting STAs</a:t>
+            </a:r>
+          </a:p>
+          <a:p>
+            <a:pPr marL="1257300" lvl="2" indent="-342900">
+              <a:buFont typeface="Wingdings" panose="05000000000000000000" pitchFamily="2" charset="2"/>
+              <a:buChar char="§"/>
+            </a:pPr>
+            <a:r>
+              <a:rPr lang="en-US" sz="2400" dirty="0">
+                <a:solidFill>
+                  <a:schemeClr val="dk1"/>
+                </a:solidFill>
+              </a:rPr>
+              <a:t>Unconnected measurements</a:t>
+            </a:r>
+          </a:p>
+          <a:p>
+            <a:pPr marL="1257300" lvl="2" indent="-342900">
+              <a:buFont typeface="Wingdings" panose="05000000000000000000" pitchFamily="2" charset="2"/>
+              <a:buChar char="§"/>
+            </a:pPr>
+            <a:r>
+              <a:rPr lang="en-US" sz="2400" dirty="0">
+                <a:solidFill>
+                  <a:schemeClr val="dk1"/>
+                </a:solidFill>
+              </a:rPr>
+              <a:t>Estimated uplink RSSI (same box)</a:t>
+            </a:r>
+            <a:endParaRPr lang="en-US" sz="2400" b="1" dirty="0"/>
           </a:p>
           <a:p>
             <a:pPr marL="342900" indent="-342900">
@@ -18541,24 +18497,12 @@
               <a:buChar char="•"/>
             </a:pPr>
             <a:r>
-              <a:rPr lang="en-US" sz="2400" dirty="0"/>
-              <a:t>Registers/Unregisters listeners for network map and statistics updates</a:t>
+              <a:rPr lang="en-US" sz="2400" b="1" dirty="0"/>
+              <a:t>Client Steering task </a:t>
             </a:r>
-          </a:p>
-          <a:p>
-            <a:pPr marL="342900" indent="-342900">
-              <a:lnSpc>
-                <a:spcPct val="150000"/>
-              </a:lnSpc>
-              <a:spcBef>
-                <a:spcPts val="1200"/>
-              </a:spcBef>
-              <a:buFont typeface="Arial" panose="020B0604020202020204" pitchFamily="34" charset="0"/>
-              <a:buChar char="•"/>
-            </a:pPr>
             <a:r>
               <a:rPr lang="en-US" sz="2400" dirty="0"/>
-              <a:t>Sends updates to all listeners on network map changes or statistics events</a:t>
+              <a:t>is triggered if better target AP found</a:t>
             </a:r>
           </a:p>
         </p:txBody>
@@ -18566,7 +18510,7 @@
     </p:spTree>
     <p:extLst>
       <p:ext uri="{BB962C8B-B14F-4D97-AF65-F5344CB8AC3E}">
-        <p14:creationId xmlns:p14="http://schemas.microsoft.com/office/powerpoint/2010/main" val="1381309854"/>
+        <p14:creationId xmlns:p14="http://schemas.microsoft.com/office/powerpoint/2010/main" val="3707345557"/>
       </p:ext>
     </p:extLst>
   </p:cSld>
@@ -18593,6 +18537,36 @@
           <a:chExt cx="0" cy="0"/>
         </a:xfrm>
       </p:grpSpPr>
+      <p:pic>
+        <p:nvPicPr>
+          <p:cNvPr id="6" name="Picture 5"/>
+          <p:cNvPicPr>
+            <a:picLocks noChangeAspect="1"/>
+          </p:cNvPicPr>
+          <p:nvPr/>
+        </p:nvPicPr>
+        <p:blipFill>
+          <a:blip r:embed="rId3">
+            <a:extLst>
+              <a:ext uri="{28A0092B-C50C-407E-A947-70E740481C1C}">
+                <a14:useLocalDpi xmlns:a14="http://schemas.microsoft.com/office/drawing/2010/main" val="0"/>
+              </a:ext>
+            </a:extLst>
+          </a:blip>
+          <a:stretch>
+            <a:fillRect/>
+          </a:stretch>
+        </p:blipFill>
+        <p:spPr>
+          <a:xfrm>
+            <a:off x="4069583" y="0"/>
+            <a:ext cx="4853353" cy="6858000"/>
+          </a:xfrm>
+          <a:prstGeom prst="rect">
+            <a:avLst/>
+          </a:prstGeom>
+        </p:spPr>
+      </p:pic>
       <p:sp>
         <p:nvSpPr>
           <p:cNvPr id="16385" name="Rectangle 2"/>
@@ -18605,8 +18579,8 @@
         </p:nvSpPr>
         <p:spPr>
           <a:xfrm>
-            <a:off x="0" y="193947"/>
-            <a:ext cx="12191999" cy="563562"/>
+            <a:off x="0" y="2865438"/>
+            <a:ext cx="4079630" cy="563562"/>
           </a:xfrm>
         </p:spPr>
         <p:txBody>
@@ -18622,7 +18596,7 @@
                 <a:ea typeface="Nunito"/>
                 <a:cs typeface="Nunito"/>
               </a:rPr>
-              <a:t>BML Wi-Fi Credential Update Task</a:t>
+              <a:t>Optimal Path Task</a:t>
             </a:r>
           </a:p>
         </p:txBody>
@@ -18667,146 +18641,10 @@
           </a:p>
         </p:txBody>
       </p:sp>
-      <p:sp>
-        <p:nvSpPr>
-          <p:cNvPr id="2" name="TextBox 1"/>
-          <p:cNvSpPr txBox="1"/>
-          <p:nvPr/>
-        </p:nvSpPr>
-        <p:spPr>
-          <a:xfrm>
-            <a:off x="647700" y="1238250"/>
-            <a:ext cx="11201400" cy="4124206"/>
-          </a:xfrm>
-          <a:prstGeom prst="rect">
-            <a:avLst/>
-          </a:prstGeom>
-          <a:noFill/>
-        </p:spPr>
-        <p:txBody>
-          <a:bodyPr wrap="square" rtlCol="0">
-            <a:spAutoFit/>
-          </a:bodyPr>
-          <a:lstStyle/>
-          <a:p>
-            <a:pPr marL="342900" indent="-342900">
-              <a:spcBef>
-                <a:spcPts val="1200"/>
-              </a:spcBef>
-              <a:buFont typeface="Arial" panose="020B0604020202020204" pitchFamily="34" charset="0"/>
-              <a:buChar char="•"/>
-            </a:pPr>
-            <a:r>
-              <a:rPr lang="en-US" sz="2400" dirty="0"/>
-              <a:t>Synchronizes credentials update between all agents</a:t>
-            </a:r>
-          </a:p>
-          <a:p>
-            <a:pPr marL="342900" indent="-342900">
-              <a:spcBef>
-                <a:spcPts val="1200"/>
-              </a:spcBef>
-              <a:buFont typeface="Arial" panose="020B0604020202020204" pitchFamily="34" charset="0"/>
-              <a:buChar char="•"/>
-            </a:pPr>
-            <a:r>
-              <a:rPr lang="en-US" sz="2400" dirty="0"/>
-              <a:t>Triggered by BML request</a:t>
-            </a:r>
-          </a:p>
-          <a:p>
-            <a:pPr marL="342900" indent="-342900">
-              <a:spcBef>
-                <a:spcPts val="1200"/>
-              </a:spcBef>
-              <a:buFont typeface="Arial" panose="020B0604020202020204" pitchFamily="34" charset="0"/>
-              <a:buChar char="•"/>
-            </a:pPr>
-            <a:endParaRPr lang="en-US" sz="2400" dirty="0"/>
-          </a:p>
-          <a:p>
-            <a:pPr marL="342900" indent="-342900">
-              <a:spcBef>
-                <a:spcPts val="1200"/>
-              </a:spcBef>
-              <a:buFont typeface="Arial" panose="020B0604020202020204" pitchFamily="34" charset="0"/>
-              <a:buChar char="•"/>
-            </a:pPr>
-            <a:r>
-              <a:rPr lang="en-US" sz="2400" dirty="0"/>
-              <a:t> Algorithm</a:t>
-            </a:r>
-          </a:p>
-          <a:p>
-            <a:pPr marL="800100" lvl="1" indent="-342900">
-              <a:spcBef>
-                <a:spcPts val="1200"/>
-              </a:spcBef>
-              <a:buFont typeface="Courier New" panose="02070309020205020404" pitchFamily="49" charset="0"/>
-              <a:buChar char="o"/>
-            </a:pPr>
-            <a:r>
-              <a:rPr lang="en-US" sz="2400" b="1" dirty="0"/>
-              <a:t>prepare </a:t>
-            </a:r>
-            <a:r>
-              <a:rPr lang="en-US" sz="2400" dirty="0"/>
-              <a:t>– sends credentials to all agents</a:t>
-            </a:r>
-          </a:p>
-          <a:p>
-            <a:pPr marL="800100" lvl="1" indent="-342900">
-              <a:spcBef>
-                <a:spcPts val="1200"/>
-              </a:spcBef>
-              <a:buFont typeface="Courier New" panose="02070309020205020404" pitchFamily="49" charset="0"/>
-              <a:buChar char="o"/>
-            </a:pPr>
-            <a:r>
-              <a:rPr lang="en-US" sz="2400" b="1" dirty="0"/>
-              <a:t>pre-commit </a:t>
-            </a:r>
-            <a:r>
-              <a:rPr lang="en-US" sz="2400" dirty="0"/>
-              <a:t>– all agents save new credentials in platform DB</a:t>
-            </a:r>
-          </a:p>
-          <a:p>
-            <a:pPr marL="800100" lvl="1" indent="-342900">
-              <a:spcBef>
-                <a:spcPts val="1200"/>
-              </a:spcBef>
-              <a:buFont typeface="Courier New" panose="02070309020205020404" pitchFamily="49" charset="0"/>
-              <a:buChar char="o"/>
-            </a:pPr>
-            <a:r>
-              <a:rPr lang="en-US" sz="2400" b="1" dirty="0"/>
-              <a:t>commit </a:t>
-            </a:r>
-            <a:r>
-              <a:rPr lang="en-US" sz="2400" dirty="0"/>
-              <a:t>– all agents reset and start with new credentials</a:t>
-            </a:r>
-          </a:p>
-          <a:p>
-            <a:pPr marL="800100" lvl="1" indent="-342900">
-              <a:spcBef>
-                <a:spcPts val="1200"/>
-              </a:spcBef>
-              <a:buFont typeface="Courier New" panose="02070309020205020404" pitchFamily="49" charset="0"/>
-              <a:buChar char="o"/>
-            </a:pPr>
-            <a:r>
-              <a:rPr lang="en-US" sz="2400" dirty="0"/>
-              <a:t>Can be aborted if one of the slave did not respond</a:t>
-            </a:r>
-          </a:p>
-        </p:txBody>
-      </p:sp>
     </p:spTree>
     <p:extLst>
       <p:ext uri="{BB962C8B-B14F-4D97-AF65-F5344CB8AC3E}">
-        <p14:creationId xmlns:p14="http://schemas.microsoft.com/office/powerpoint/2010/main" val="1212721128"/>
+        <p14:creationId xmlns:p14="http://schemas.microsoft.com/office/powerpoint/2010/main" val="4261360961"/>
       </p:ext>
     </p:extLst>
   </p:cSld>
@@ -18817,152 +18655,6 @@
 </file>
 
 <file path=ppt/slides/slide23.xml><?xml version="1.0" encoding="utf-8"?>
-<p:sld xmlns:a="http://schemas.openxmlformats.org/drawingml/2006/main" xmlns:r="http://schemas.openxmlformats.org/officeDocument/2006/relationships" xmlns:p="http://schemas.openxmlformats.org/presentationml/2006/main">
-  <p:cSld>
-    <p:spTree>
-      <p:nvGrpSpPr>
-        <p:cNvPr id="1" name=""/>
-        <p:cNvGrpSpPr/>
-        <p:nvPr/>
-      </p:nvGrpSpPr>
-      <p:grpSpPr>
-        <a:xfrm>
-          <a:off x="0" y="0"/>
-          <a:ext cx="0" cy="0"/>
-          <a:chOff x="0" y="0"/>
-          <a:chExt cx="0" cy="0"/>
-        </a:xfrm>
-      </p:grpSpPr>
-      <p:sp>
-        <p:nvSpPr>
-          <p:cNvPr id="2" name="Title 1"/>
-          <p:cNvSpPr>
-            <a:spLocks noGrp="1"/>
-          </p:cNvSpPr>
-          <p:nvPr>
-            <p:ph type="title"/>
-          </p:nvPr>
-        </p:nvSpPr>
-        <p:spPr/>
-        <p:txBody>
-          <a:bodyPr/>
-          <a:lstStyle/>
-          <a:p>
-            <a:r>
-              <a:rPr lang="en-US" b="1" dirty="0">
-                <a:solidFill>
-                  <a:srgbClr val="671660"/>
-                </a:solidFill>
-                <a:latin typeface="Nunito"/>
-                <a:ea typeface="Nunito"/>
-                <a:cs typeface="Nunito"/>
-              </a:rPr>
-              <a:t>BML Wi-Fi Credential Update Task</a:t>
-            </a:r>
-            <a:endParaRPr lang="en-US" dirty="0"/>
-          </a:p>
-        </p:txBody>
-      </p:sp>
-      <p:sp>
-        <p:nvSpPr>
-          <p:cNvPr id="4" name="Slide Number Placeholder 3"/>
-          <p:cNvSpPr>
-            <a:spLocks noGrp="1"/>
-          </p:cNvSpPr>
-          <p:nvPr>
-            <p:ph type="sldNum" sz="quarter" idx="12"/>
-          </p:nvPr>
-        </p:nvSpPr>
-        <p:spPr/>
-        <p:txBody>
-          <a:bodyPr/>
-          <a:lstStyle/>
-          <a:p>
-            <a:pPr>
-              <a:defRPr/>
-            </a:pPr>
-            <a:r>
-              <a:rPr lang="en-US">
-                <a:solidFill>
-                  <a:srgbClr val="000000"/>
-                </a:solidFill>
-              </a:rPr>
-              <a:t>Slide </a:t>
-            </a:r>
-            <a:fld id="{D44EC867-38BC-41FB-A8F2-EFC229E87576}" type="slidenum">
-              <a:rPr lang="en-US" smtClean="0">
-                <a:solidFill>
-                  <a:srgbClr val="000000"/>
-                </a:solidFill>
-              </a:rPr>
-              <a:pPr>
-                <a:defRPr/>
-              </a:pPr>
-              <a:t>23</a:t>
-            </a:fld>
-            <a:endParaRPr lang="en-US" dirty="0">
-              <a:solidFill>
-                <a:srgbClr val="000000"/>
-              </a:solidFill>
-            </a:endParaRPr>
-          </a:p>
-        </p:txBody>
-      </p:sp>
-      <p:pic>
-        <p:nvPicPr>
-          <p:cNvPr id="2050" name="Picture 2" descr="https://www.plantuml.com/plantuml/img/bLFBReCm4BpxA_O7yWCvH274bP2IG7aeH-IQRMB9CTGswU_N1YH3fJIDBpRhtTcPPRmrbcdRtoGX4RUjXZD-L0dfN51mqJ5bONSyr5mAL7OHZbjbTIibQiBzngrebO4afuOGCi2iDg5s3V6LgGi2rzYuRy4aQFpgqLWIibQR0BiUEf-JjwIESxgdfpA93aLTPVkef7LEtojQb2JahpQ-zneULMGvpQ8yL9vQYw35vUgu5QWQeIwWy7j6q81jmKXsHqCyzfBTypv5bfuA-Xh5EawFnwJya-KqDy-kxnhc4WQIiDzDDCSkrNWtroDKI2LCMZ0zvsWCh819EMbr-BRN2XjtC9txgKZ0hPSc46HCG_08_n_4ho7uOkOCTlTw1eSj8ZCh1g9ZWr6jqu5sk1kbGTgXPjwmJ0xX1X-1pJdFtJm1JVCZA0s25JTiU_kYrcYNvakfJtf-CY5xZSIvmRsqhTlS-_q1"/>
-          <p:cNvPicPr>
-            <a:picLocks noChangeAspect="1" noChangeArrowheads="1"/>
-          </p:cNvPicPr>
-          <p:nvPr/>
-        </p:nvPicPr>
-        <p:blipFill>
-          <a:blip r:embed="rId2">
-            <a:extLst>
-              <a:ext uri="{28A0092B-C50C-407E-A947-70E740481C1C}">
-                <a14:useLocalDpi xmlns:a14="http://schemas.microsoft.com/office/drawing/2010/main" val="0"/>
-              </a:ext>
-            </a:extLst>
-          </a:blip>
-          <a:srcRect/>
-          <a:stretch>
-            <a:fillRect/>
-          </a:stretch>
-        </p:blipFill>
-        <p:spPr bwMode="auto">
-          <a:xfrm>
-            <a:off x="1057835" y="1212111"/>
-            <a:ext cx="9692341" cy="5515900"/>
-          </a:xfrm>
-          <a:prstGeom prst="rect">
-            <a:avLst/>
-          </a:prstGeom>
-          <a:noFill/>
-          <a:extLst>
-            <a:ext uri="{909E8E84-426E-40DD-AFC4-6F175D3DCCD1}">
-              <a14:hiddenFill xmlns:a14="http://schemas.microsoft.com/office/drawing/2010/main">
-                <a:solidFill>
-                  <a:srgbClr val="FFFFFF"/>
-                </a:solidFill>
-              </a14:hiddenFill>
-            </a:ext>
-          </a:extLst>
-        </p:spPr>
-      </p:pic>
-    </p:spTree>
-    <p:extLst>
-      <p:ext uri="{BB962C8B-B14F-4D97-AF65-F5344CB8AC3E}">
-        <p14:creationId xmlns:p14="http://schemas.microsoft.com/office/powerpoint/2010/main" val="4003657248"/>
-      </p:ext>
-    </p:extLst>
-  </p:cSld>
-  <p:clrMapOvr>
-    <a:masterClrMapping/>
-  </p:clrMapOvr>
-</p:sld>
-</file>
-
-<file path=ppt/slides/slide24.xml><?xml version="1.0" encoding="utf-8"?>
 <p:sld xmlns:a="http://schemas.openxmlformats.org/drawingml/2006/main" xmlns:r="http://schemas.openxmlformats.org/officeDocument/2006/relationships" xmlns:p="http://schemas.openxmlformats.org/presentationml/2006/main">
   <p:cSld>
     <p:spTree>
@@ -19091,7 +18783,7 @@
         </p:nvSpPr>
         <p:spPr>
           <a:xfrm>
-            <a:off x="647700" y="728293"/>
+            <a:off x="728087" y="1260856"/>
             <a:ext cx="11201400" cy="4132670"/>
           </a:xfrm>
           <a:prstGeom prst="rect">
